--- a/doc/GIot_Session2(win7).pptx
+++ b/doc/GIot_Session2(win7).pptx
@@ -5,7 +5,7 @@
     <p:sldMasterId id="2147483648" r:id="rId1"/>
   </p:sldMasterIdLst>
   <p:notesMasterIdLst>
-    <p:notesMasterId r:id="rId52"/>
+    <p:notesMasterId r:id="rId54"/>
   </p:notesMasterIdLst>
   <p:sldIdLst>
     <p:sldId id="256" r:id="rId2"/>
@@ -31,33 +31,35 @@
     <p:sldId id="276" r:id="rId22"/>
     <p:sldId id="277" r:id="rId23"/>
     <p:sldId id="278" r:id="rId24"/>
-    <p:sldId id="279" r:id="rId25"/>
-    <p:sldId id="280" r:id="rId26"/>
-    <p:sldId id="281" r:id="rId27"/>
-    <p:sldId id="282" r:id="rId28"/>
-    <p:sldId id="283" r:id="rId29"/>
-    <p:sldId id="284" r:id="rId30"/>
-    <p:sldId id="285" r:id="rId31"/>
-    <p:sldId id="286" r:id="rId32"/>
-    <p:sldId id="287" r:id="rId33"/>
-    <p:sldId id="288" r:id="rId34"/>
-    <p:sldId id="289" r:id="rId35"/>
-    <p:sldId id="290" r:id="rId36"/>
-    <p:sldId id="291" r:id="rId37"/>
-    <p:sldId id="292" r:id="rId38"/>
-    <p:sldId id="293" r:id="rId39"/>
-    <p:sldId id="294" r:id="rId40"/>
-    <p:sldId id="295" r:id="rId41"/>
-    <p:sldId id="296" r:id="rId42"/>
-    <p:sldId id="297" r:id="rId43"/>
-    <p:sldId id="298" r:id="rId44"/>
-    <p:sldId id="299" r:id="rId45"/>
-    <p:sldId id="300" r:id="rId46"/>
-    <p:sldId id="301" r:id="rId47"/>
-    <p:sldId id="302" r:id="rId48"/>
-    <p:sldId id="303" r:id="rId49"/>
-    <p:sldId id="304" r:id="rId50"/>
-    <p:sldId id="305" r:id="rId51"/>
+    <p:sldId id="306" r:id="rId25"/>
+    <p:sldId id="307" r:id="rId26"/>
+    <p:sldId id="279" r:id="rId27"/>
+    <p:sldId id="280" r:id="rId28"/>
+    <p:sldId id="281" r:id="rId29"/>
+    <p:sldId id="282" r:id="rId30"/>
+    <p:sldId id="283" r:id="rId31"/>
+    <p:sldId id="284" r:id="rId32"/>
+    <p:sldId id="285" r:id="rId33"/>
+    <p:sldId id="286" r:id="rId34"/>
+    <p:sldId id="287" r:id="rId35"/>
+    <p:sldId id="288" r:id="rId36"/>
+    <p:sldId id="289" r:id="rId37"/>
+    <p:sldId id="290" r:id="rId38"/>
+    <p:sldId id="291" r:id="rId39"/>
+    <p:sldId id="292" r:id="rId40"/>
+    <p:sldId id="293" r:id="rId41"/>
+    <p:sldId id="294" r:id="rId42"/>
+    <p:sldId id="295" r:id="rId43"/>
+    <p:sldId id="296" r:id="rId44"/>
+    <p:sldId id="297" r:id="rId45"/>
+    <p:sldId id="298" r:id="rId46"/>
+    <p:sldId id="299" r:id="rId47"/>
+    <p:sldId id="300" r:id="rId48"/>
+    <p:sldId id="301" r:id="rId49"/>
+    <p:sldId id="302" r:id="rId50"/>
+    <p:sldId id="303" r:id="rId51"/>
+    <p:sldId id="304" r:id="rId52"/>
+    <p:sldId id="305" r:id="rId53"/>
   </p:sldIdLst>
   <p:sldSz cx="9144000" cy="6858000" type="screen4x3"/>
   <p:notesSz cx="6858000" cy="9144000"/>
@@ -6396,8 +6398,18 @@
           </a:lstStyle>
           <a:p>
             <a:r>
-              <a:t>Application System + web servic</a:t>
-            </a:r>
+              <a:rPr dirty="0"/>
+              <a:t>Application System + web </a:t>
+            </a:r>
+            <a:r>
+              <a:rPr dirty="0" smtClean="0"/>
+              <a:t>servic</a:t>
+            </a:r>
+            <a:r>
+              <a:rPr lang="en-US" dirty="0" smtClean="0"/>
+              <a:t>e</a:t>
+            </a:r>
+            <a:endParaRPr dirty="0"/>
           </a:p>
         </p:txBody>
       </p:sp>
@@ -10407,6 +10419,13 @@
     <a:masterClrMapping/>
   </p:clrMapOvr>
   <p:transition spd="slow"/>
+  <p:timing>
+    <p:tnLst>
+      <p:par>
+        <p:cTn id="1" dur="indefinite" restart="never" nodeType="tmRoot"/>
+      </p:par>
+    </p:tnLst>
+  </p:timing>
 </p:sld>
 </file>
 
@@ -10582,6 +10601,13 @@
     <a:masterClrMapping/>
   </p:clrMapOvr>
   <p:transition spd="slow"/>
+  <p:timing>
+    <p:tnLst>
+      <p:par>
+        <p:cTn id="1" dur="indefinite" restart="never" nodeType="tmRoot"/>
+      </p:par>
+    </p:tnLst>
+  </p:timing>
 </p:sld>
 </file>
 
@@ -10748,6 +10774,13 @@
     <a:masterClrMapping/>
   </p:clrMapOvr>
   <p:transition spd="slow"/>
+  <p:timing>
+    <p:tnLst>
+      <p:par>
+        <p:cTn id="1" dur="indefinite" restart="never" nodeType="tmRoot"/>
+      </p:par>
+    </p:tnLst>
+  </p:timing>
 </p:sld>
 </file>
 
@@ -10810,7 +10843,20 @@
           </a:lstStyle>
           <a:p>
             <a:r>
-              <a:t>我們回頭看看生成的工程目錄裡面都有什麼，打開我們的 demo 文件夾，裡面如圖所示：</a:t>
+              <a:rPr dirty="0" err="1"/>
+              <a:t>我們回頭看看生成的工程目錄裡面都有什麼，打開我們的</a:t>
+            </a:r>
+            <a:r>
+              <a:rPr dirty="0"/>
+              <a:t> demo </a:t>
+            </a:r>
+            <a:r>
+              <a:rPr dirty="0" err="1"/>
+              <a:t>文件夾，裡面如圖所示</a:t>
+            </a:r>
+            <a:r>
+              <a:rPr dirty="0"/>
+              <a:t>：</a:t>
             </a:r>
           </a:p>
         </p:txBody>
@@ -10896,13 +10942,13 @@
               </a:defRPr>
             </a:pPr>
             <a:r>
-              <a:rPr>
+              <a:rPr dirty="0" err="1">
                 <a:hlinkClick r:id="" action="ppaction://hlinkshowjump?jump=nextslide"/>
               </a:rPr>
               <a:t>app.js</a:t>
             </a:r>
             <a:r>
-              <a:rPr u="none">
+              <a:rPr u="none" dirty="0" err="1">
                 <a:solidFill>
                   <a:srgbClr val="585858"/>
                 </a:solidFill>
@@ -10910,8 +10956,17 @@
               </a:rPr>
               <a:t>：啟動文件，或者說入口文件</a:t>
             </a:r>
+            <a:r>
+              <a:rPr u="none" dirty="0">
+                <a:solidFill>
+                  <a:srgbClr val="585858"/>
+                </a:solidFill>
+                <a:uFillTx/>
+              </a:rPr>
+              <a:t/>
+            </a:r>
             <a:br>
-              <a:rPr u="none">
+              <a:rPr u="none" dirty="0">
                 <a:solidFill>
                   <a:srgbClr val="585858"/>
                 </a:solidFill>
@@ -10919,22 +10974,85 @@
               </a:rPr>
             </a:br>
             <a:r>
-              <a:rPr>
+              <a:rPr dirty="0" err="1">
                 <a:hlinkClick r:id="rId3" action="ppaction://hlinksldjump"/>
               </a:rPr>
               <a:t>package.json</a:t>
             </a:r>
             <a:r>
-              <a:rPr u="none">
+              <a:rPr u="none" dirty="0" err="1">
                 <a:solidFill>
                   <a:srgbClr val="585858"/>
                 </a:solidFill>
                 <a:uFillTx/>
               </a:rPr>
-              <a:t>：存儲著專案的信息及模組依賴，當在dependencies 中添加依賴的模組時，運行npm install，npm 會檢查當前目錄下的package.json，並自動安裝所有指定的模組</a:t>
+              <a:t>：存儲著專案的信息及模組依賴，當在dependencies</a:t>
+            </a:r>
+            <a:r>
+              <a:rPr u="none" dirty="0">
+                <a:solidFill>
+                  <a:srgbClr val="585858"/>
+                </a:solidFill>
+                <a:uFillTx/>
+              </a:rPr>
+              <a:t> </a:t>
+            </a:r>
+            <a:r>
+              <a:rPr u="none" dirty="0" err="1">
+                <a:solidFill>
+                  <a:srgbClr val="585858"/>
+                </a:solidFill>
+                <a:uFillTx/>
+              </a:rPr>
+              <a:t>中添加依賴的模組時，運行npm</a:t>
+            </a:r>
+            <a:r>
+              <a:rPr u="none" dirty="0">
+                <a:solidFill>
+                  <a:srgbClr val="585858"/>
+                </a:solidFill>
+                <a:uFillTx/>
+              </a:rPr>
+              <a:t> </a:t>
+            </a:r>
+            <a:r>
+              <a:rPr u="none" dirty="0" err="1">
+                <a:solidFill>
+                  <a:srgbClr val="585858"/>
+                </a:solidFill>
+                <a:uFillTx/>
+              </a:rPr>
+              <a:t>install，npm</a:t>
+            </a:r>
+            <a:r>
+              <a:rPr u="none" dirty="0">
+                <a:solidFill>
+                  <a:srgbClr val="585858"/>
+                </a:solidFill>
+                <a:uFillTx/>
+              </a:rPr>
+              <a:t> </a:t>
+            </a:r>
+            <a:r>
+              <a:rPr u="none" dirty="0" err="1">
+                <a:solidFill>
+                  <a:srgbClr val="585858"/>
+                </a:solidFill>
+                <a:uFillTx/>
+              </a:rPr>
+              <a:t>會檢查當前目錄下的package.json，並自動安裝所有指定的模組</a:t>
+            </a:r>
+            <a:r>
+              <a:rPr u="none" dirty="0">
+                <a:solidFill>
+                  <a:srgbClr val="585858"/>
+                </a:solidFill>
+                <a:uFillTx/>
+              </a:rPr>
+              <a:t/>
             </a:r>
             <a:br>
-              <a:rPr u="none">
+              <a:rPr u="none" dirty="0">
                 <a:solidFill>
                   <a:srgbClr val="585858"/>
                 </a:solidFill>
@@ -10942,15 +11060,51 @@
               </a:rPr>
             </a:br>
             <a:r>
-              <a:rPr u="none">
+              <a:rPr u="none" dirty="0" err="1">
                 <a:solidFill>
                   <a:srgbClr val="585858"/>
                 </a:solidFill>
                 <a:uFillTx/>
               </a:rPr>
-              <a:t>node_modules：存放package.json 中安裝的模組，當你在package.json 添加依賴的模組並安裝後，存放在這個文件夾下</a:t>
-            </a:r>
-            <a:endParaRPr>
+              <a:t>node_modules：存放package.json</a:t>
+            </a:r>
+            <a:r>
+              <a:rPr u="none" dirty="0">
+                <a:solidFill>
+                  <a:srgbClr val="585858"/>
+                </a:solidFill>
+                <a:uFillTx/>
+              </a:rPr>
+              <a:t> </a:t>
+            </a:r>
+            <a:r>
+              <a:rPr u="none" dirty="0" err="1">
+                <a:solidFill>
+                  <a:srgbClr val="585858"/>
+                </a:solidFill>
+                <a:uFillTx/>
+              </a:rPr>
+              <a:t>中安裝的模組，當你在package.json</a:t>
+            </a:r>
+            <a:r>
+              <a:rPr u="none" dirty="0">
+                <a:solidFill>
+                  <a:srgbClr val="585858"/>
+                </a:solidFill>
+                <a:uFillTx/>
+              </a:rPr>
+              <a:t> </a:t>
+            </a:r>
+            <a:r>
+              <a:rPr u="none" dirty="0" err="1">
+                <a:solidFill>
+                  <a:srgbClr val="585858"/>
+                </a:solidFill>
+                <a:uFillTx/>
+              </a:rPr>
+              <a:t>添加依賴的模組並安裝後，存放在這個文件夾下</a:t>
+            </a:r>
+            <a:endParaRPr dirty="0">
               <a:solidFill>
                 <a:srgbClr val="585858"/>
               </a:solidFill>
@@ -10975,14 +11129,30 @@
               </a:defRPr>
             </a:pPr>
             <a:r>
-              <a:t>public：存放image、css、js 等文件</a:t>
-            </a:r>
-            <a:br/>
-            <a:r>
+              <a:rPr dirty="0" err="1"/>
+              <a:t>public：存放image、css、js</a:t>
+            </a:r>
+            <a:r>
+              <a:rPr dirty="0"/>
+              <a:t> </a:t>
+            </a:r>
+            <a:r>
+              <a:rPr dirty="0" err="1"/>
+              <a:t>等文件</a:t>
+            </a:r>
+            <a:r>
+              <a:rPr dirty="0"/>
+              <a:t/>
+            </a:r>
+            <a:br>
+              <a:rPr dirty="0"/>
+            </a:br>
+            <a:r>
+              <a:rPr dirty="0" err="1"/>
               <a:t>routes：存放</a:t>
             </a:r>
             <a:r>
-              <a:rPr u="sng">
+              <a:rPr u="sng" dirty="0" err="1">
                 <a:solidFill>
                   <a:srgbClr val="0000FF"/>
                 </a:solidFill>
@@ -10996,8 +11166,10 @@
               <a:t>路由</a:t>
             </a:r>
             <a:r>
+              <a:rPr dirty="0" err="1"/>
               <a:t>文件</a:t>
             </a:r>
+            <a:endParaRPr dirty="0"/>
           </a:p>
           <a:p>
             <a:pPr defTabSz="562355">
@@ -11018,8 +11190,26 @@
               </a:defRPr>
             </a:pPr>
             <a:r>
-              <a:t>views：存放視圖文件或者說模版文件</a:t>
-            </a:r>
+              <a:rPr dirty="0" err="1"/>
+              <a:t>views：</a:t>
+            </a:r>
+            <a:r>
+              <a:rPr dirty="0" err="1" smtClean="0"/>
+              <a:t>存放視圖文件或者說</a:t>
+            </a:r>
+            <a:r>
+              <a:rPr lang="zh-TW" altLang="en-US" dirty="0"/>
+              <a:t>範</a:t>
+            </a:r>
+            <a:r>
+              <a:rPr lang="zh-TW" altLang="en-US" dirty="0" smtClean="0"/>
+              <a:t>本</a:t>
+            </a:r>
+            <a:r>
+              <a:rPr dirty="0" err="1" smtClean="0"/>
+              <a:t>文件</a:t>
+            </a:r>
+            <a:endParaRPr dirty="0"/>
           </a:p>
           <a:p>
             <a:pPr defTabSz="562355">
@@ -11040,8 +11230,10 @@
               </a:defRPr>
             </a:pPr>
             <a:r>
+              <a:rPr dirty="0" err="1"/>
               <a:t>bin：存放可執行文件</a:t>
             </a:r>
+            <a:endParaRPr dirty="0"/>
           </a:p>
         </p:txBody>
       </p:sp>
@@ -11140,6 +11332,13 @@
     <a:masterClrMapping/>
   </p:clrMapOvr>
   <p:transition spd="slow"/>
+  <p:timing>
+    <p:tnLst>
+      <p:par>
+        <p:cTn id="1" dur="indefinite" restart="never" nodeType="tmRoot"/>
+      </p:par>
+    </p:tnLst>
+  </p:timing>
 </p:sld>
 </file>
 
@@ -11172,7 +11371,7 @@
         </p:nvSpPr>
         <p:spPr>
           <a:xfrm>
-            <a:off x="531812" y="-12700"/>
+            <a:off x="531812" y="-26555"/>
             <a:ext cx="7772401" cy="899915"/>
           </a:xfrm>
           <a:prstGeom prst="rect">
@@ -11215,7 +11414,7 @@
         </p:nvSpPr>
         <p:spPr>
           <a:xfrm>
-            <a:off x="531812" y="1204959"/>
+            <a:off x="684211" y="1677724"/>
             <a:ext cx="7772401" cy="4865395"/>
           </a:xfrm>
           <a:prstGeom prst="rect">
@@ -11224,16 +11423,17 @@
         </p:spPr>
         <p:txBody>
           <a:bodyPr anchor="t">
-            <a:normAutofit lnSpcReduction="10000"/>
+            <a:normAutofit/>
           </a:bodyPr>
           <a:lstStyle/>
           <a:p>
-            <a:pPr marL="233947" indent="-233947">
+            <a:pPr marL="342900" indent="-342900">
               <a:spcBef>
                 <a:spcPts val="0"/>
               </a:spcBef>
               <a:buSzPct val="100000"/>
-              <a:buAutoNum type="arabicParenBoth"/>
+              <a:buFont typeface="Arial" panose="020B0604020202020204" pitchFamily="34" charset="0"/>
+              <a:buChar char="•"/>
               <a:defRPr sz="2100" b="0">
                 <a:latin typeface="Arial"/>
                 <a:ea typeface="Arial"/>
@@ -11242,16 +11442,42 @@
               </a:defRPr>
             </a:pPr>
             <a:r>
-              <a:t>var app = express()：生成實例express實例app。 </a:t>
-            </a:r>
-          </a:p>
-          <a:p>
-            <a:pPr marL="233947" indent="-233947">
+              <a:rPr sz="2400" dirty="0" err="1"/>
+              <a:t>var</a:t>
+            </a:r>
+            <a:r>
+              <a:rPr sz="2400" dirty="0"/>
+              <a:t> app = express</a:t>
+            </a:r>
+            <a:r>
+              <a:rPr sz="2400" dirty="0" smtClean="0"/>
+              <a:t>()：</a:t>
+            </a:r>
+            <a:r>
+              <a:rPr lang="zh-TW" altLang="en-US" sz="2400" dirty="0" smtClean="0"/>
+              <a:t>建立一個</a:t>
+            </a:r>
+            <a:r>
+              <a:rPr sz="2400" dirty="0" err="1" smtClean="0"/>
+              <a:t>express</a:t>
+            </a:r>
+            <a:r>
+              <a:rPr sz="2400" dirty="0" err="1"/>
+              <a:t>實例app</a:t>
+            </a:r>
+            <a:r>
+              <a:rPr sz="2400" dirty="0"/>
+              <a:t>。 </a:t>
+            </a:r>
+          </a:p>
+          <a:p>
+            <a:pPr marL="342900" indent="-342900">
               <a:spcBef>
                 <a:spcPts val="0"/>
               </a:spcBef>
               <a:buSzPct val="100000"/>
-              <a:buAutoNum type="arabicParenBoth"/>
+              <a:buFont typeface="Arial" panose="020B0604020202020204" pitchFamily="34" charset="0"/>
+              <a:buChar char="•"/>
               <a:defRPr sz="2100" b="0">
                 <a:latin typeface="Arial"/>
                 <a:ea typeface="Arial"/>
@@ -11260,10 +11486,51 @@
               </a:defRPr>
             </a:pPr>
             <a:r>
-              <a:t>app.set('views', path.join(dirname, 'views’))：設置 views 文件夾為存放視圖文件的目錄, 即存放</a:t>
-            </a:r>
-            <a:r>
-              <a:rPr b="1">
+              <a:rPr sz="2400" dirty="0" err="1"/>
+              <a:t>app.set</a:t>
+            </a:r>
+            <a:r>
+              <a:rPr sz="2400" dirty="0"/>
+              <a:t>('views', </a:t>
+            </a:r>
+            <a:r>
+              <a:rPr sz="2400" dirty="0" err="1"/>
+              <a:t>path.join</a:t>
+            </a:r>
+            <a:r>
+              <a:rPr sz="2400" dirty="0"/>
+              <a:t>(</a:t>
+            </a:r>
+            <a:r>
+              <a:rPr sz="2400" dirty="0" err="1"/>
+              <a:t>dirname</a:t>
+            </a:r>
+            <a:r>
+              <a:rPr sz="2400" dirty="0"/>
+              <a:t>, 'views’))：</a:t>
+            </a:r>
+            <a:r>
+              <a:rPr sz="2400" dirty="0" err="1"/>
+              <a:t>設置</a:t>
+            </a:r>
+            <a:r>
+              <a:rPr sz="2400" dirty="0"/>
+              <a:t> views </a:t>
+            </a:r>
+            <a:r>
+              <a:rPr sz="2400" dirty="0" err="1"/>
+              <a:t>文件夾為存放視圖文件的目錄</a:t>
+            </a:r>
+            <a:r>
+              <a:rPr sz="2400" dirty="0"/>
+              <a:t>, </a:t>
+            </a:r>
+            <a:r>
+              <a:rPr sz="2400" dirty="0" err="1"/>
+              <a:t>即存放</a:t>
+            </a:r>
+            <a:r>
+              <a:rPr sz="2400" b="1" dirty="0" err="1">
                 <a:solidFill>
                   <a:schemeClr val="accent6">
                     <a:lumOff val="-9019"/>
@@ -11273,16 +11540,30 @@
               <a:t>範本</a:t>
             </a:r>
             <a:r>
-              <a:t>文件的地方,dirname 为全局變數,存儲當前正在執行的腳本所在的目錄。 </a:t>
-            </a:r>
-          </a:p>
-          <a:p>
-            <a:pPr marL="233947" indent="-233947">
+              <a:rPr sz="2400" dirty="0" err="1"/>
+              <a:t>文件的地方,dirname</a:t>
+            </a:r>
+            <a:r>
+              <a:rPr sz="2400" dirty="0"/>
+              <a:t> </a:t>
+            </a:r>
+            <a:r>
+              <a:rPr sz="2400" dirty="0" err="1"/>
+              <a:t>为全局變數,存儲當前正在執行的腳本所在的目錄</a:t>
+            </a:r>
+            <a:r>
+              <a:rPr sz="2400" dirty="0"/>
+              <a:t>。 </a:t>
+            </a:r>
+          </a:p>
+          <a:p>
+            <a:pPr marL="342900" indent="-342900">
               <a:spcBef>
                 <a:spcPts val="0"/>
               </a:spcBef>
               <a:buSzPct val="100000"/>
-              <a:buAutoNum type="arabicParenBoth"/>
+              <a:buFont typeface="Arial" panose="020B0604020202020204" pitchFamily="34" charset="0"/>
+              <a:buChar char="•"/>
               <a:defRPr sz="2100" b="0">
                 <a:latin typeface="Arial"/>
                 <a:ea typeface="Arial"/>
@@ -11291,10 +11572,27 @@
               </a:defRPr>
             </a:pPr>
             <a:r>
-              <a:t>app.set('view engine', 'ejs’)：設置</a:t>
-            </a:r>
-            <a:r>
-              <a:rPr u="sng">
+              <a:rPr sz="2400" dirty="0" err="1"/>
+              <a:t>app.set</a:t>
+            </a:r>
+            <a:r>
+              <a:rPr sz="2400" dirty="0"/>
+              <a:t>('view engine', '</a:t>
+            </a:r>
+            <a:r>
+              <a:rPr sz="2400" dirty="0" err="1"/>
+              <a:t>ejs</a:t>
+            </a:r>
+            <a:r>
+              <a:rPr sz="2400" dirty="0"/>
+              <a:t>’)：</a:t>
+            </a:r>
+            <a:r>
+              <a:rPr sz="2400" dirty="0" err="1"/>
+              <a:t>設置</a:t>
+            </a:r>
+            <a:r>
+              <a:rPr sz="2400" u="sng" dirty="0" err="1">
                 <a:solidFill>
                   <a:srgbClr val="0000FF"/>
                 </a:solidFill>
@@ -11308,16 +11606,30 @@
               <a:t>視圖範本引擎</a:t>
             </a:r>
             <a:r>
-              <a:t>為 ejs。 </a:t>
-            </a:r>
-          </a:p>
-          <a:p>
-            <a:pPr marL="233947" indent="-233947">
+              <a:rPr sz="2400" dirty="0" err="1"/>
+              <a:t>為</a:t>
+            </a:r>
+            <a:r>
+              <a:rPr sz="2400" dirty="0"/>
+              <a:t> </a:t>
+            </a:r>
+            <a:r>
+              <a:rPr sz="2400" dirty="0" err="1"/>
+              <a:t>ejs</a:t>
+            </a:r>
+            <a:r>
+              <a:rPr sz="2400" dirty="0"/>
+              <a:t>。 </a:t>
+            </a:r>
+          </a:p>
+          <a:p>
+            <a:pPr marL="342900" indent="-342900">
               <a:spcBef>
                 <a:spcPts val="0"/>
               </a:spcBef>
               <a:buSzPct val="100000"/>
-              <a:buAutoNum type="arabicParenBoth"/>
+              <a:buFont typeface="Arial" panose="020B0604020202020204" pitchFamily="34" charset="0"/>
+              <a:buChar char="•"/>
               <a:defRPr sz="2100" b="0">
                 <a:latin typeface="Arial"/>
                 <a:ea typeface="Arial"/>
@@ -11326,16 +11638,46 @@
               </a:defRPr>
             </a:pPr>
             <a:r>
-              <a:t>app.use(favicon(dirname + ‘/public/favicon.ico’))：設置/public/favicon.ico為favicon圖標。</a:t>
-            </a:r>
-          </a:p>
-          <a:p>
-            <a:pPr marL="233947" indent="-233947">
+              <a:rPr sz="2400" dirty="0" err="1"/>
+              <a:t>app.use</a:t>
+            </a:r>
+            <a:r>
+              <a:rPr sz="2400" dirty="0"/>
+              <a:t>(favicon(</a:t>
+            </a:r>
+            <a:r>
+              <a:rPr sz="2400" dirty="0" err="1"/>
+              <a:t>dirname</a:t>
+            </a:r>
+            <a:r>
+              <a:rPr sz="2400" dirty="0"/>
+              <a:t> + ‘/public/favicon.ico’))：</a:t>
+            </a:r>
+            <a:r>
+              <a:rPr sz="2400" dirty="0" err="1"/>
+              <a:t>設置</a:t>
+            </a:r>
+            <a:r>
+              <a:rPr sz="2400" dirty="0"/>
+              <a:t>/public/</a:t>
+            </a:r>
+            <a:r>
+              <a:rPr sz="2400" dirty="0" err="1"/>
+              <a:t>favicon.ico為favicon圖標</a:t>
+            </a:r>
+            <a:r>
+              <a:rPr sz="2400" dirty="0"/>
+              <a:t>。</a:t>
+            </a:r>
+          </a:p>
+          <a:p>
+            <a:pPr marL="342900" indent="-342900">
               <a:spcBef>
                 <a:spcPts val="0"/>
               </a:spcBef>
               <a:buSzPct val="100000"/>
-              <a:buAutoNum type="arabicParenBoth"/>
+              <a:buFont typeface="Arial" panose="020B0604020202020204" pitchFamily="34" charset="0"/>
+              <a:buChar char="•"/>
               <a:defRPr sz="2100" b="0">
                 <a:latin typeface="Arial"/>
                 <a:ea typeface="Arial"/>
@@ -11344,98 +11686,22 @@
               </a:defRPr>
             </a:pPr>
             <a:r>
-              <a:t>app.use(logger('dev’))：加載日誌中間件。 </a:t>
-            </a:r>
-          </a:p>
-          <a:p>
-            <a:pPr marL="233947" indent="-233947">
-              <a:spcBef>
-                <a:spcPts val="0"/>
-              </a:spcBef>
-              <a:buSzPct val="100000"/>
-              <a:buAutoNum type="arabicParenBoth"/>
-              <a:defRPr sz="2100" b="0">
-                <a:latin typeface="Arial"/>
-                <a:ea typeface="Arial"/>
-                <a:cs typeface="Arial"/>
-                <a:sym typeface="Arial"/>
-              </a:defRPr>
-            </a:pPr>
-            <a:r>
-              <a:t>app.use(bodyParser.json())：加載解析JSON的中間件。 </a:t>
-            </a:r>
-          </a:p>
-          <a:p>
-            <a:pPr marL="233947" indent="-233947">
-              <a:spcBef>
-                <a:spcPts val="0"/>
-              </a:spcBef>
-              <a:buSzPct val="100000"/>
-              <a:buAutoNum type="arabicParenBoth"/>
-              <a:defRPr sz="2100" b="0">
-                <a:latin typeface="Arial"/>
-                <a:ea typeface="Arial"/>
-                <a:cs typeface="Arial"/>
-                <a:sym typeface="Arial"/>
-              </a:defRPr>
-            </a:pPr>
-            <a:r>
-              <a:t>app.use(bodyParser.urlencoded({ extended: false }))：加載解析urlencoded请求体的中间件。</a:t>
-            </a:r>
-          </a:p>
-          <a:p>
-            <a:pPr marL="233947" indent="-233947">
-              <a:spcBef>
-                <a:spcPts val="0"/>
-              </a:spcBef>
-              <a:buSzPct val="100000"/>
-              <a:buAutoNum type="arabicParenBoth"/>
-              <a:defRPr sz="2100" b="0">
-                <a:latin typeface="Arial"/>
-                <a:ea typeface="Arial"/>
-                <a:cs typeface="Arial"/>
-                <a:sym typeface="Arial"/>
-              </a:defRPr>
-            </a:pPr>
-            <a:r>
-              <a:t>app.use(cookieParser())：加載解析cookie的中间件。 </a:t>
-            </a:r>
-          </a:p>
-          <a:p>
-            <a:pPr marL="233947" indent="-233947">
-              <a:spcBef>
-                <a:spcPts val="0"/>
-              </a:spcBef>
-              <a:buSzPct val="100000"/>
-              <a:buAutoNum type="arabicParenBoth"/>
-              <a:defRPr sz="2100" b="0">
-                <a:latin typeface="Arial"/>
-                <a:ea typeface="Arial"/>
-                <a:cs typeface="Arial"/>
-                <a:sym typeface="Arial"/>
-              </a:defRPr>
-            </a:pPr>
-            <a:r>
-              <a:t>app.use(express.static(path.join(dirname, ‘public')))：設置public為存放靜態文件的目錄。</a:t>
-            </a:r>
-          </a:p>
-          <a:p>
-            <a:pPr marL="233947" indent="-233947">
-              <a:spcBef>
-                <a:spcPts val="0"/>
-              </a:spcBef>
-              <a:buSzPct val="100000"/>
-              <a:buAutoNum type="arabicParenBoth"/>
-              <a:defRPr sz="2100" b="0">
-                <a:latin typeface="Arial"/>
-                <a:ea typeface="Arial"/>
-                <a:cs typeface="Arial"/>
-                <a:sym typeface="Arial"/>
-              </a:defRPr>
-            </a:pPr>
-            <a:r>
-              <a:t>app.use('/', routes);和app.use('/users', users)：路由控制器。 </a:t>
-            </a:r>
+              <a:rPr sz="2400" dirty="0" err="1"/>
+              <a:t>app.use</a:t>
+            </a:r>
+            <a:r>
+              <a:rPr sz="2400" dirty="0"/>
+              <a:t>(logger('dev’))：</a:t>
+            </a:r>
+            <a:r>
+              <a:rPr sz="2400" dirty="0" err="1"/>
+              <a:t>加載日誌中間件</a:t>
+            </a:r>
+            <a:r>
+              <a:rPr sz="2400" dirty="0" smtClean="0"/>
+              <a:t>。</a:t>
+            </a:r>
+            <a:endParaRPr sz="2400" dirty="0"/>
           </a:p>
         </p:txBody>
       </p:sp>
@@ -11492,15 +11758,707 @@
         </p:txBody>
       </p:sp>
     </p:spTree>
+    <p:extLst>
+      <p:ext uri="{BB962C8B-B14F-4D97-AF65-F5344CB8AC3E}">
+        <p14:creationId xmlns:p14="http://schemas.microsoft.com/office/powerpoint/2010/main" val="1354035441"/>
+      </p:ext>
+    </p:extLst>
   </p:cSld>
   <p:clrMapOvr>
     <a:masterClrMapping/>
   </p:clrMapOvr>
   <p:transition spd="slow"/>
+  <p:timing>
+    <p:tnLst>
+      <p:par>
+        <p:cTn id="1" dur="indefinite" restart="never" nodeType="tmRoot"/>
+      </p:par>
+    </p:tnLst>
+  </p:timing>
 </p:sld>
 </file>
 
 <file path=ppt/slides/slide25.xml><?xml version="1.0" encoding="utf-8"?>
+<p:sld xmlns:a="http://schemas.openxmlformats.org/drawingml/2006/main" xmlns:r="http://schemas.openxmlformats.org/officeDocument/2006/relationships" xmlns:p="http://schemas.openxmlformats.org/presentationml/2006/main">
+  <p:cSld>
+    <p:spTree>
+      <p:nvGrpSpPr>
+        <p:cNvPr id="1" name=""/>
+        <p:cNvGrpSpPr/>
+        <p:nvPr/>
+      </p:nvGrpSpPr>
+      <p:grpSpPr>
+        <a:xfrm>
+          <a:off x="0" y="0"/>
+          <a:ext cx="0" cy="0"/>
+          <a:chOff x="0" y="0"/>
+          <a:chExt cx="0" cy="0"/>
+        </a:xfrm>
+      </p:grpSpPr>
+      <p:sp>
+        <p:nvSpPr>
+          <p:cNvPr id="352" name="Shape 352"/>
+          <p:cNvSpPr>
+            <a:spLocks noGrp="1"/>
+          </p:cNvSpPr>
+          <p:nvPr>
+            <p:ph type="title"/>
+          </p:nvPr>
+        </p:nvSpPr>
+        <p:spPr>
+          <a:xfrm>
+            <a:off x="531812" y="-26555"/>
+            <a:ext cx="7772401" cy="899915"/>
+          </a:xfrm>
+          <a:prstGeom prst="rect">
+            <a:avLst/>
+          </a:prstGeom>
+        </p:spPr>
+        <p:txBody>
+          <a:bodyPr anchor="ctr"/>
+          <a:lstStyle>
+            <a:lvl1pPr defTabSz="749808">
+              <a:lnSpc>
+                <a:spcPct val="115000"/>
+              </a:lnSpc>
+              <a:spcBef>
+                <a:spcPts val="1300"/>
+              </a:spcBef>
+              <a:defRPr b="0" cap="none">
+                <a:solidFill>
+                  <a:srgbClr val="FFFFFF"/>
+                </a:solidFill>
+              </a:defRPr>
+            </a:lvl1pPr>
+          </a:lstStyle>
+          <a:p>
+            <a:r>
+              <a:t>app.js入口檔案</a:t>
+            </a:r>
+          </a:p>
+        </p:txBody>
+      </p:sp>
+      <p:sp>
+        <p:nvSpPr>
+          <p:cNvPr id="353" name="Shape 353"/>
+          <p:cNvSpPr>
+            <a:spLocks noGrp="1"/>
+          </p:cNvSpPr>
+          <p:nvPr>
+            <p:ph type="body" idx="1"/>
+          </p:nvPr>
+        </p:nvSpPr>
+        <p:spPr>
+          <a:xfrm>
+            <a:off x="693249" y="1676400"/>
+            <a:ext cx="7772401" cy="4256036"/>
+          </a:xfrm>
+          <a:prstGeom prst="rect">
+            <a:avLst/>
+          </a:prstGeom>
+        </p:spPr>
+        <p:txBody>
+          <a:bodyPr anchor="t">
+            <a:normAutofit/>
+          </a:bodyPr>
+          <a:lstStyle/>
+          <a:p>
+            <a:pPr marL="342900" indent="-342900">
+              <a:spcBef>
+                <a:spcPts val="0"/>
+              </a:spcBef>
+              <a:buSzPct val="100000"/>
+              <a:buFont typeface="Arial" panose="020B0604020202020204" pitchFamily="34" charset="0"/>
+              <a:buChar char="•"/>
+              <a:defRPr sz="2100" b="0">
+                <a:latin typeface="Arial"/>
+                <a:ea typeface="Arial"/>
+                <a:cs typeface="Arial"/>
+                <a:sym typeface="Arial"/>
+              </a:defRPr>
+            </a:pPr>
+            <a:r>
+              <a:rPr sz="2400" dirty="0" err="1" smtClean="0"/>
+              <a:t>app.use</a:t>
+            </a:r>
+            <a:r>
+              <a:rPr sz="2400" dirty="0" smtClean="0"/>
+              <a:t>(</a:t>
+            </a:r>
+            <a:r>
+              <a:rPr sz="2400" dirty="0" err="1" smtClean="0"/>
+              <a:t>bodyParser.json</a:t>
+            </a:r>
+            <a:r>
+              <a:rPr sz="2400" dirty="0" smtClean="0"/>
+              <a:t>())：</a:t>
+            </a:r>
+            <a:r>
+              <a:rPr sz="2400" dirty="0" err="1" smtClean="0"/>
+              <a:t>加載解析JSON的中間件</a:t>
+            </a:r>
+            <a:r>
+              <a:rPr sz="2400" dirty="0" smtClean="0"/>
+              <a:t>。 </a:t>
+            </a:r>
+          </a:p>
+          <a:p>
+            <a:pPr marL="342900" indent="-342900">
+              <a:spcBef>
+                <a:spcPts val="0"/>
+              </a:spcBef>
+              <a:buSzPct val="100000"/>
+              <a:buFont typeface="Arial" panose="020B0604020202020204" pitchFamily="34" charset="0"/>
+              <a:buChar char="•"/>
+              <a:defRPr sz="2100" b="0">
+                <a:latin typeface="Arial"/>
+                <a:ea typeface="Arial"/>
+                <a:cs typeface="Arial"/>
+                <a:sym typeface="Arial"/>
+              </a:defRPr>
+            </a:pPr>
+            <a:r>
+              <a:rPr sz="2400" dirty="0" err="1" smtClean="0"/>
+              <a:t>app.use</a:t>
+            </a:r>
+            <a:r>
+              <a:rPr sz="2400" dirty="0" smtClean="0"/>
+              <a:t>(</a:t>
+            </a:r>
+            <a:r>
+              <a:rPr sz="2400" dirty="0" err="1" smtClean="0"/>
+              <a:t>bodyParser.urlencoded</a:t>
+            </a:r>
+            <a:r>
+              <a:rPr sz="2400" dirty="0" smtClean="0"/>
+              <a:t>({ extended: false }))：</a:t>
+            </a:r>
+            <a:r>
+              <a:rPr sz="2400" dirty="0" err="1" smtClean="0"/>
+              <a:t>加載解析urlencoded请求体的中间件</a:t>
+            </a:r>
+            <a:r>
+              <a:rPr sz="2400" dirty="0" smtClean="0"/>
+              <a:t>。</a:t>
+            </a:r>
+          </a:p>
+          <a:p>
+            <a:pPr marL="342900" indent="-342900">
+              <a:spcBef>
+                <a:spcPts val="0"/>
+              </a:spcBef>
+              <a:buSzPct val="100000"/>
+              <a:buFont typeface="Arial" panose="020B0604020202020204" pitchFamily="34" charset="0"/>
+              <a:buChar char="•"/>
+              <a:defRPr sz="2100" b="0">
+                <a:latin typeface="Arial"/>
+                <a:ea typeface="Arial"/>
+                <a:cs typeface="Arial"/>
+                <a:sym typeface="Arial"/>
+              </a:defRPr>
+            </a:pPr>
+            <a:r>
+              <a:rPr sz="2400" dirty="0" err="1" smtClean="0"/>
+              <a:t>app.use</a:t>
+            </a:r>
+            <a:r>
+              <a:rPr sz="2400" dirty="0" smtClean="0"/>
+              <a:t>(</a:t>
+            </a:r>
+            <a:r>
+              <a:rPr sz="2400" dirty="0" err="1" smtClean="0"/>
+              <a:t>cookieParser</a:t>
+            </a:r>
+            <a:r>
+              <a:rPr sz="2400" dirty="0" smtClean="0"/>
+              <a:t>())：</a:t>
+            </a:r>
+            <a:r>
+              <a:rPr sz="2400" dirty="0" err="1" smtClean="0"/>
+              <a:t>加載解析cookie的中</a:t>
+            </a:r>
+            <a:r>
+              <a:rPr lang="zh-TW" altLang="en-US" sz="2400" dirty="0" smtClean="0"/>
+              <a:t>間</a:t>
+            </a:r>
+            <a:r>
+              <a:rPr sz="2400" dirty="0" smtClean="0"/>
+              <a:t>件。 </a:t>
+            </a:r>
+          </a:p>
+          <a:p>
+            <a:pPr marL="342900" indent="-342900">
+              <a:spcBef>
+                <a:spcPts val="0"/>
+              </a:spcBef>
+              <a:buSzPct val="100000"/>
+              <a:buFont typeface="Arial" panose="020B0604020202020204" pitchFamily="34" charset="0"/>
+              <a:buChar char="•"/>
+              <a:defRPr sz="2100" b="0">
+                <a:latin typeface="Arial"/>
+                <a:ea typeface="Arial"/>
+                <a:cs typeface="Arial"/>
+                <a:sym typeface="Arial"/>
+              </a:defRPr>
+            </a:pPr>
+            <a:r>
+              <a:rPr sz="2400" dirty="0" err="1" smtClean="0"/>
+              <a:t>app.use</a:t>
+            </a:r>
+            <a:r>
+              <a:rPr sz="2400" dirty="0" smtClean="0"/>
+              <a:t>(</a:t>
+            </a:r>
+            <a:r>
+              <a:rPr sz="2400" dirty="0" err="1" smtClean="0"/>
+              <a:t>express.static</a:t>
+            </a:r>
+            <a:r>
+              <a:rPr sz="2400" dirty="0" smtClean="0"/>
+              <a:t>(</a:t>
+            </a:r>
+            <a:r>
+              <a:rPr sz="2400" dirty="0" err="1" smtClean="0"/>
+              <a:t>path.join</a:t>
+            </a:r>
+            <a:r>
+              <a:rPr sz="2400" dirty="0" smtClean="0"/>
+              <a:t>(</a:t>
+            </a:r>
+            <a:r>
+              <a:rPr sz="2400" dirty="0" err="1" smtClean="0"/>
+              <a:t>dirname</a:t>
+            </a:r>
+            <a:r>
+              <a:rPr sz="2400" dirty="0" smtClean="0"/>
+              <a:t>, ‘public')))：</a:t>
+            </a:r>
+            <a:r>
+              <a:rPr sz="2400" dirty="0" err="1" smtClean="0"/>
+              <a:t>設置public為存放靜態文件的目錄</a:t>
+            </a:r>
+            <a:r>
+              <a:rPr sz="2400" dirty="0" smtClean="0"/>
+              <a:t>。</a:t>
+            </a:r>
+          </a:p>
+          <a:p>
+            <a:pPr marL="342900" indent="-342900">
+              <a:spcBef>
+                <a:spcPts val="0"/>
+              </a:spcBef>
+              <a:buSzPct val="100000"/>
+              <a:buFont typeface="Arial" panose="020B0604020202020204" pitchFamily="34" charset="0"/>
+              <a:buChar char="•"/>
+              <a:defRPr sz="2100" b="0">
+                <a:latin typeface="Arial"/>
+                <a:ea typeface="Arial"/>
+                <a:cs typeface="Arial"/>
+                <a:sym typeface="Arial"/>
+              </a:defRPr>
+            </a:pPr>
+            <a:r>
+              <a:rPr sz="2400" dirty="0" err="1" smtClean="0"/>
+              <a:t>app.use</a:t>
+            </a:r>
+            <a:r>
+              <a:rPr sz="2400" dirty="0" smtClean="0"/>
+              <a:t>('/', routes);</a:t>
+            </a:r>
+            <a:r>
+              <a:rPr sz="2400" dirty="0" err="1" smtClean="0"/>
+              <a:t>和app.use</a:t>
+            </a:r>
+            <a:r>
+              <a:rPr sz="2400" dirty="0" smtClean="0"/>
+              <a:t>('/users', users)：</a:t>
+            </a:r>
+            <a:r>
+              <a:rPr sz="2400" dirty="0" err="1" smtClean="0"/>
+              <a:t>路由控制器</a:t>
+            </a:r>
+            <a:r>
+              <a:rPr sz="2400" dirty="0" smtClean="0"/>
+              <a:t>。 </a:t>
+            </a:r>
+            <a:endParaRPr sz="2400" dirty="0"/>
+          </a:p>
+        </p:txBody>
+      </p:sp>
+      <p:sp>
+        <p:nvSpPr>
+          <p:cNvPr id="354" name="Shape 354">
+            <a:hlinkClick r:id="rId2" action="ppaction://hlinksldjump"/>
+          </p:cNvPr>
+          <p:cNvSpPr/>
+          <p:nvPr/>
+        </p:nvSpPr>
+        <p:spPr>
+          <a:xfrm>
+            <a:off x="4759559" y="6167963"/>
+            <a:ext cx="2418912" cy="375156"/>
+          </a:xfrm>
+          <a:prstGeom prst="rect">
+            <a:avLst/>
+          </a:prstGeom>
+          <a:ln w="12700">
+            <a:miter lim="400000"/>
+          </a:ln>
+          <a:extLst>
+            <a:ext uri="{C572A759-6A51-4108-AA02-DFA0A04FC94B}">
+              <ma14:wrappingTextBoxFlag xmlns="" xmlns:ma14="http://schemas.microsoft.com/office/mac/drawingml/2011/main" val="1"/>
+            </a:ext>
+          </a:extLst>
+        </p:spPr>
+        <p:txBody>
+          <a:bodyPr lIns="45718" tIns="45718" rIns="45718" bIns="45718">
+            <a:spAutoFit/>
+          </a:bodyPr>
+          <a:lstStyle>
+            <a:lvl1pPr algn="ctr" defTabSz="850391">
+              <a:lnSpc>
+                <a:spcPct val="115000"/>
+              </a:lnSpc>
+              <a:spcBef>
+                <a:spcPts val="1400"/>
+              </a:spcBef>
+              <a:defRPr sz="2200">
+                <a:latin typeface="Arial"/>
+                <a:ea typeface="Arial"/>
+                <a:cs typeface="Arial"/>
+                <a:sym typeface="Arial"/>
+              </a:defRPr>
+            </a:lvl1pPr>
+          </a:lstStyle>
+          <a:p>
+            <a:r>
+              <a:t>返回專案結構</a:t>
+            </a:r>
+          </a:p>
+        </p:txBody>
+      </p:sp>
+    </p:spTree>
+    <p:extLst>
+      <p:ext uri="{BB962C8B-B14F-4D97-AF65-F5344CB8AC3E}">
+        <p14:creationId xmlns:p14="http://schemas.microsoft.com/office/powerpoint/2010/main" val="1211296966"/>
+      </p:ext>
+    </p:extLst>
+  </p:cSld>
+  <p:clrMapOvr>
+    <a:masterClrMapping/>
+  </p:clrMapOvr>
+  <p:transition spd="slow"/>
+  <p:timing>
+    <p:tnLst>
+      <p:par>
+        <p:cTn id="1" dur="indefinite" restart="never" nodeType="tmRoot"/>
+      </p:par>
+    </p:tnLst>
+  </p:timing>
+</p:sld>
+</file>
+
+<file path=ppt/slides/slide26.xml><?xml version="1.0" encoding="utf-8"?>
+<p:sld xmlns:a="http://schemas.openxmlformats.org/drawingml/2006/main" xmlns:r="http://schemas.openxmlformats.org/officeDocument/2006/relationships" xmlns:p="http://schemas.openxmlformats.org/presentationml/2006/main">
+  <p:cSld>
+    <p:spTree>
+      <p:nvGrpSpPr>
+        <p:cNvPr id="1" name=""/>
+        <p:cNvGrpSpPr/>
+        <p:nvPr/>
+      </p:nvGrpSpPr>
+      <p:grpSpPr>
+        <a:xfrm>
+          <a:off x="0" y="0"/>
+          <a:ext cx="0" cy="0"/>
+          <a:chOff x="0" y="0"/>
+          <a:chExt cx="0" cy="0"/>
+        </a:xfrm>
+      </p:grpSpPr>
+      <p:sp>
+        <p:nvSpPr>
+          <p:cNvPr id="352" name="Shape 352"/>
+          <p:cNvSpPr>
+            <a:spLocks noGrp="1"/>
+          </p:cNvSpPr>
+          <p:nvPr>
+            <p:ph type="title"/>
+          </p:nvPr>
+        </p:nvSpPr>
+        <p:spPr>
+          <a:xfrm>
+            <a:off x="531812" y="-26555"/>
+            <a:ext cx="7772401" cy="899915"/>
+          </a:xfrm>
+          <a:prstGeom prst="rect">
+            <a:avLst/>
+          </a:prstGeom>
+        </p:spPr>
+        <p:txBody>
+          <a:bodyPr anchor="ctr"/>
+          <a:lstStyle>
+            <a:lvl1pPr defTabSz="749808">
+              <a:lnSpc>
+                <a:spcPct val="115000"/>
+              </a:lnSpc>
+              <a:spcBef>
+                <a:spcPts val="1300"/>
+              </a:spcBef>
+              <a:defRPr b="0" cap="none">
+                <a:solidFill>
+                  <a:srgbClr val="FFFFFF"/>
+                </a:solidFill>
+              </a:defRPr>
+            </a:lvl1pPr>
+          </a:lstStyle>
+          <a:p>
+            <a:r>
+              <a:rPr lang="en-US" altLang="zh-TW" dirty="0"/>
+              <a:t>bin/www </a:t>
+            </a:r>
+            <a:r>
+              <a:rPr lang="zh-TW" altLang="en-US" dirty="0"/>
+              <a:t>文件</a:t>
+            </a:r>
+            <a:endParaRPr dirty="0"/>
+          </a:p>
+        </p:txBody>
+      </p:sp>
+      <p:sp>
+        <p:nvSpPr>
+          <p:cNvPr id="353" name="Shape 353"/>
+          <p:cNvSpPr>
+            <a:spLocks noGrp="1"/>
+          </p:cNvSpPr>
+          <p:nvPr>
+            <p:ph type="body" idx="1"/>
+          </p:nvPr>
+        </p:nvSpPr>
+        <p:spPr>
+          <a:xfrm>
+            <a:off x="698067" y="1551324"/>
+            <a:ext cx="7772401" cy="4115186"/>
+          </a:xfrm>
+          <a:prstGeom prst="rect">
+            <a:avLst/>
+          </a:prstGeom>
+        </p:spPr>
+        <p:txBody>
+          <a:bodyPr anchor="t">
+            <a:normAutofit/>
+          </a:bodyPr>
+          <a:lstStyle/>
+          <a:p>
+            <a:r>
+              <a:rPr lang="en-US" altLang="zh-TW" sz="2800" dirty="0"/>
+              <a:t>(1)#!/</a:t>
+            </a:r>
+            <a:r>
+              <a:rPr lang="en-US" altLang="zh-TW" sz="2800" dirty="0" err="1"/>
+              <a:t>usr</a:t>
+            </a:r>
+            <a:r>
+              <a:rPr lang="en-US" altLang="zh-TW" sz="2800" dirty="0"/>
+              <a:t>/bin/</a:t>
+            </a:r>
+            <a:r>
+              <a:rPr lang="en-US" altLang="zh-TW" sz="2800" dirty="0" err="1"/>
+              <a:t>env</a:t>
+            </a:r>
+            <a:r>
+              <a:rPr lang="en-US" altLang="zh-TW" sz="2800" dirty="0"/>
+              <a:t> node</a:t>
+            </a:r>
+            <a:r>
+              <a:rPr lang="zh-TW" altLang="zh-TW" sz="2800" dirty="0"/>
+              <a:t>：表明是</a:t>
+            </a:r>
+            <a:r>
+              <a:rPr lang="en-US" altLang="zh-TW" sz="2800" dirty="0"/>
+              <a:t> node </a:t>
+            </a:r>
+            <a:r>
+              <a:rPr lang="zh-TW" altLang="zh-TW" sz="2800" dirty="0"/>
+              <a:t>可執行檔。 </a:t>
+            </a:r>
+          </a:p>
+          <a:p>
+            <a:r>
+              <a:rPr lang="en-US" altLang="zh-TW" sz="2800" dirty="0"/>
+              <a:t>(2)</a:t>
+            </a:r>
+            <a:r>
+              <a:rPr lang="en-US" altLang="zh-TW" sz="2800" dirty="0" err="1"/>
+              <a:t>var</a:t>
+            </a:r>
+            <a:r>
+              <a:rPr lang="en-US" altLang="zh-TW" sz="2800" dirty="0"/>
+              <a:t> debug = require('debug')('blog’)</a:t>
+            </a:r>
+            <a:r>
+              <a:rPr lang="zh-TW" altLang="zh-TW" sz="2800" dirty="0"/>
+              <a:t>：引入</a:t>
+            </a:r>
+            <a:r>
+              <a:rPr lang="en-US" altLang="zh-TW" sz="2800" dirty="0"/>
+              <a:t>debug</a:t>
+            </a:r>
+            <a:r>
+              <a:rPr lang="zh-TW" altLang="zh-TW" sz="2800" dirty="0"/>
+              <a:t>模組，列印調試日誌。</a:t>
+            </a:r>
+            <a:r>
+              <a:rPr lang="en-US" altLang="zh-TW" sz="2800" dirty="0"/>
+              <a:t> </a:t>
+            </a:r>
+            <a:endParaRPr lang="en-US" altLang="zh-TW" sz="2800" dirty="0" smtClean="0"/>
+          </a:p>
+          <a:p>
+            <a:r>
+              <a:rPr lang="en-US" altLang="zh-TW" sz="2800" dirty="0" smtClean="0"/>
+              <a:t>(</a:t>
+            </a:r>
+            <a:r>
+              <a:rPr lang="en-US" altLang="zh-TW" sz="2800" dirty="0"/>
+              <a:t>3)</a:t>
+            </a:r>
+            <a:r>
+              <a:rPr lang="en-US" altLang="zh-TW" sz="2800" dirty="0" err="1"/>
+              <a:t>var</a:t>
+            </a:r>
+            <a:r>
+              <a:rPr lang="en-US" altLang="zh-TW" sz="2800" dirty="0"/>
+              <a:t> app = require('../app’)</a:t>
+            </a:r>
+            <a:r>
+              <a:rPr lang="zh-TW" altLang="zh-TW" sz="2800" dirty="0"/>
+              <a:t>：引入我們上面匯出的</a:t>
+            </a:r>
+            <a:r>
+              <a:rPr lang="en-US" altLang="zh-TW" sz="2800" dirty="0"/>
+              <a:t>app</a:t>
+            </a:r>
+            <a:r>
+              <a:rPr lang="zh-TW" altLang="zh-TW" sz="2800" dirty="0"/>
+              <a:t>實例。 </a:t>
+            </a:r>
+          </a:p>
+          <a:p>
+            <a:r>
+              <a:rPr lang="en-US" altLang="zh-TW" sz="2800" dirty="0"/>
+              <a:t>(4)</a:t>
+            </a:r>
+            <a:r>
+              <a:rPr lang="en-US" altLang="zh-TW" sz="2800" dirty="0" err="1"/>
+              <a:t>app.set</a:t>
+            </a:r>
+            <a:r>
+              <a:rPr lang="en-US" altLang="zh-TW" sz="2800" dirty="0"/>
+              <a:t>('port', </a:t>
+            </a:r>
+            <a:r>
+              <a:rPr lang="en-US" altLang="zh-TW" sz="2800" dirty="0" err="1"/>
+              <a:t>process.env.PORT</a:t>
+            </a:r>
+            <a:r>
+              <a:rPr lang="en-US" altLang="zh-TW" sz="2800" dirty="0"/>
+              <a:t> || 3000)</a:t>
+            </a:r>
+            <a:r>
+              <a:rPr lang="zh-TW" altLang="zh-TW" sz="2800" dirty="0"/>
+              <a:t>：設置埠號。 </a:t>
+            </a:r>
+          </a:p>
+          <a:p>
+            <a:r>
+              <a:rPr lang="en-US" altLang="zh-TW" sz="2800" dirty="0"/>
+              <a:t>(5)</a:t>
+            </a:r>
+            <a:r>
+              <a:rPr lang="zh-TW" altLang="zh-TW" sz="2800" dirty="0"/>
+              <a:t>啟動工程並監聽</a:t>
+            </a:r>
+            <a:r>
+              <a:rPr lang="en-US" altLang="zh-TW" sz="2800" dirty="0"/>
+              <a:t>3000</a:t>
+            </a:r>
+            <a:r>
+              <a:rPr lang="zh-TW" altLang="zh-TW" sz="2800" dirty="0" smtClean="0"/>
+              <a:t>埠</a:t>
+            </a:r>
+            <a:endParaRPr lang="zh-TW" altLang="zh-TW" sz="2800" dirty="0"/>
+          </a:p>
+        </p:txBody>
+      </p:sp>
+      <p:sp>
+        <p:nvSpPr>
+          <p:cNvPr id="354" name="Shape 354">
+            <a:hlinkClick r:id="rId2" action="ppaction://hlinksldjump"/>
+          </p:cNvPr>
+          <p:cNvSpPr/>
+          <p:nvPr/>
+        </p:nvSpPr>
+        <p:spPr>
+          <a:xfrm>
+            <a:off x="4759559" y="6167963"/>
+            <a:ext cx="2418912" cy="375156"/>
+          </a:xfrm>
+          <a:prstGeom prst="rect">
+            <a:avLst/>
+          </a:prstGeom>
+          <a:ln w="12700">
+            <a:miter lim="400000"/>
+          </a:ln>
+          <a:extLst>
+            <a:ext uri="{C572A759-6A51-4108-AA02-DFA0A04FC94B}">
+              <ma14:wrappingTextBoxFlag xmlns="" xmlns:ma14="http://schemas.microsoft.com/office/mac/drawingml/2011/main" val="1"/>
+            </a:ext>
+          </a:extLst>
+        </p:spPr>
+        <p:txBody>
+          <a:bodyPr lIns="45718" tIns="45718" rIns="45718" bIns="45718">
+            <a:spAutoFit/>
+          </a:bodyPr>
+          <a:lstStyle>
+            <a:lvl1pPr algn="ctr" defTabSz="850391">
+              <a:lnSpc>
+                <a:spcPct val="115000"/>
+              </a:lnSpc>
+              <a:spcBef>
+                <a:spcPts val="1400"/>
+              </a:spcBef>
+              <a:defRPr sz="2200">
+                <a:latin typeface="Arial"/>
+                <a:ea typeface="Arial"/>
+                <a:cs typeface="Arial"/>
+                <a:sym typeface="Arial"/>
+              </a:defRPr>
+            </a:lvl1pPr>
+          </a:lstStyle>
+          <a:p>
+            <a:r>
+              <a:t>返回專案結構</a:t>
+            </a:r>
+          </a:p>
+        </p:txBody>
+      </p:sp>
+    </p:spTree>
+  </p:cSld>
+  <p:clrMapOvr>
+    <a:masterClrMapping/>
+  </p:clrMapOvr>
+  <p:transition spd="slow"/>
+  <p:timing>
+    <p:tnLst>
+      <p:par>
+        <p:cTn id="1" dur="indefinite" restart="never" nodeType="tmRoot"/>
+      </p:par>
+    </p:tnLst>
+  </p:timing>
+</p:sld>
+</file>
+
+<file path=ppt/slides/slide27.xml><?xml version="1.0" encoding="utf-8"?>
 <p:sld xmlns:a="http://schemas.openxmlformats.org/drawingml/2006/main" xmlns:r="http://schemas.openxmlformats.org/officeDocument/2006/relationships" xmlns:p="http://schemas.openxmlformats.org/presentationml/2006/main">
   <p:cSld>
     <p:spTree>
@@ -11572,8 +12530,8 @@
         </p:nvSpPr>
         <p:spPr>
           <a:xfrm>
-            <a:off x="531812" y="1204959"/>
-            <a:ext cx="7772401" cy="4865395"/>
+            <a:off x="684212" y="1537855"/>
+            <a:ext cx="7772401" cy="4532499"/>
           </a:xfrm>
           <a:prstGeom prst="rect">
             <a:avLst/>
@@ -11600,10 +12558,15 @@
               </a:defRPr>
             </a:pPr>
             <a:r>
-              <a:t>範本引擎 </a:t>
-            </a:r>
-            <a:r>
-              <a:rPr b="0">
+              <a:rPr dirty="0" err="1"/>
+              <a:t>範本引擎</a:t>
+            </a:r>
+            <a:r>
+              <a:rPr dirty="0"/>
+              <a:t> </a:t>
+            </a:r>
+            <a:r>
+              <a:rPr b="0" dirty="0">
                 <a:solidFill>
                   <a:srgbClr val="000000"/>
                 </a:solidFill>
@@ -11611,10 +12574,11 @@
               <a:t>是一個將頁面</a:t>
             </a:r>
             <a:r>
+              <a:rPr dirty="0"/>
               <a:t>範本</a:t>
             </a:r>
             <a:r>
-              <a:rPr b="0">
+              <a:rPr b="0" dirty="0">
                 <a:solidFill>
                   <a:srgbClr val="000000"/>
                 </a:solidFill>
@@ -11622,17 +12586,18 @@
               <a:t>和要顯示的數據結合起來生成HTML頁面的工具。如果說上面講到的表達中的路由控制方法相當於MVC中的控制器的話，那</a:t>
             </a:r>
             <a:r>
+              <a:rPr dirty="0"/>
               <a:t>範本引擎</a:t>
             </a:r>
             <a:r>
-              <a:rPr b="0">
+              <a:rPr b="0" dirty="0">
                 <a:solidFill>
                   <a:srgbClr val="000000"/>
                 </a:solidFill>
               </a:rPr>
               <a:t>就相當於MVC中的視圖。</a:t>
             </a:r>
-            <a:endParaRPr b="0"/>
+            <a:endParaRPr b="0" dirty="0"/>
           </a:p>
           <a:p>
             <a:pPr marL="233947" indent="-233947">
@@ -11648,7 +12613,7 @@
                 <a:sym typeface="Arial"/>
               </a:defRPr>
             </a:pPr>
-            <a:endParaRPr b="0"/>
+            <a:endParaRPr b="0" dirty="0"/>
           </a:p>
           <a:p>
             <a:pPr>
@@ -11663,10 +12628,15 @@
               </a:defRPr>
             </a:pPr>
             <a:r>
-              <a:t>在 MVC 架構中，</a:t>
-            </a:r>
-            <a:r>
-              <a:rPr b="1">
+              <a:rPr dirty="0"/>
+              <a:t>在 MVC </a:t>
+            </a:r>
+            <a:r>
+              <a:rPr dirty="0" err="1"/>
+              <a:t>架構中，</a:t>
+            </a:r>
+            <a:r>
+              <a:rPr b="1" dirty="0" err="1">
                 <a:solidFill>
                   <a:schemeClr val="accent6">
                     <a:lumOff val="-9019"/>
@@ -11676,10 +12646,11 @@
               <a:t>範本引擎</a:t>
             </a:r>
             <a:r>
+              <a:rPr dirty="0" err="1"/>
               <a:t>包含在服務器端。控制器得到用戶請求後，從模型獲取數據，調用</a:t>
             </a:r>
             <a:r>
-              <a:rPr b="1">
+              <a:rPr b="1" dirty="0" err="1">
                 <a:solidFill>
                   <a:schemeClr val="accent6">
                     <a:lumOff val="-9019"/>
@@ -11689,10 +12660,11 @@
               <a:t>範本引擎</a:t>
             </a:r>
             <a:r>
+              <a:rPr dirty="0" err="1"/>
               <a:t>。</a:t>
             </a:r>
             <a:r>
-              <a:rPr b="1">
+              <a:rPr b="1" dirty="0" err="1">
                 <a:solidFill>
                   <a:schemeClr val="accent6">
                     <a:lumOff val="-9019"/>
@@ -11702,10 +12674,11 @@
               <a:t>範本引擎</a:t>
             </a:r>
             <a:r>
+              <a:rPr dirty="0" err="1"/>
               <a:t>以數據和頁面</a:t>
             </a:r>
             <a:r>
-              <a:rPr b="1">
+              <a:rPr b="1" dirty="0" err="1">
                 <a:solidFill>
                   <a:schemeClr val="accent6">
                     <a:lumOff val="-9019"/>
@@ -11715,7 +12688,20 @@
               <a:t>範本</a:t>
             </a:r>
             <a:r>
-              <a:t>為輸入，生成 HTML 頁面，然後返回給控制器，由控制器交回客戶端。</a:t>
+              <a:rPr dirty="0" err="1"/>
+              <a:t>為輸入，生成</a:t>
+            </a:r>
+            <a:r>
+              <a:rPr dirty="0"/>
+              <a:t> HTML </a:t>
+            </a:r>
+            <a:r>
+              <a:rPr dirty="0" err="1"/>
+              <a:t>頁面，然後返回給控制器，由控制器交回客戶端</a:t>
+            </a:r>
+            <a:r>
+              <a:rPr dirty="0"/>
+              <a:t>。</a:t>
             </a:r>
           </a:p>
         </p:txBody>
@@ -11726,10 +12712,17 @@
     <a:masterClrMapping/>
   </p:clrMapOvr>
   <p:transition spd="slow"/>
+  <p:timing>
+    <p:tnLst>
+      <p:par>
+        <p:cTn id="1" dur="indefinite" restart="never" nodeType="tmRoot"/>
+      </p:par>
+    </p:tnLst>
+  </p:timing>
 </p:sld>
 </file>
 
-<file path=ppt/slides/slide26.xml><?xml version="1.0" encoding="utf-8"?>
+<file path=ppt/slides/slide28.xml><?xml version="1.0" encoding="utf-8"?>
 <p:sld xmlns:a="http://schemas.openxmlformats.org/drawingml/2006/main" xmlns:r="http://schemas.openxmlformats.org/officeDocument/2006/relationships" xmlns:p="http://schemas.openxmlformats.org/presentationml/2006/main">
   <p:cSld>
     <p:spTree>
@@ -11801,7 +12794,7 @@
         </p:nvSpPr>
         <p:spPr>
           <a:xfrm>
-            <a:off x="531812" y="1309189"/>
+            <a:off x="711921" y="1309189"/>
             <a:ext cx="7772401" cy="4761165"/>
           </a:xfrm>
           <a:prstGeom prst="rect">
@@ -11832,7 +12825,44 @@
               </a:defRPr>
             </a:pPr>
             <a:r>
-              <a:t>EJS 是一個 client 端的 JavaScript 函式庫，可將傳統的 HTML 程式碼分離成範本（template）與 JSON 形式的資料（data）。</a:t>
+              <a:rPr dirty="0"/>
+              <a:t>EJS </a:t>
+            </a:r>
+            <a:r>
+              <a:rPr dirty="0" err="1"/>
+              <a:t>是一個</a:t>
+            </a:r>
+            <a:r>
+              <a:rPr dirty="0"/>
+              <a:t> </a:t>
+            </a:r>
+            <a:r>
+              <a:rPr dirty="0" smtClean="0"/>
+              <a:t>JavaScript </a:t>
+            </a:r>
+            <a:r>
+              <a:rPr dirty="0" err="1"/>
+              <a:t>函式庫，可將傳統的</a:t>
+            </a:r>
+            <a:r>
+              <a:rPr dirty="0"/>
+              <a:t> HTML </a:t>
+            </a:r>
+            <a:r>
+              <a:rPr dirty="0" err="1"/>
+              <a:t>程式碼分離成範本（template）與</a:t>
+            </a:r>
+            <a:r>
+              <a:rPr dirty="0"/>
+              <a:t> JSON </a:t>
+            </a:r>
+            <a:r>
+              <a:rPr dirty="0" err="1"/>
+              <a:t>形式的資料（data</a:t>
+            </a:r>
+            <a:r>
+              <a:rPr dirty="0"/>
+              <a:t>）。</a:t>
             </a:r>
           </a:p>
           <a:p>
@@ -11853,7 +12883,7 @@
                 <a:sym typeface="Arial"/>
               </a:defRPr>
             </a:pPr>
-            <a:endParaRPr/>
+            <a:endParaRPr dirty="0"/>
           </a:p>
           <a:p>
             <a:pPr defTabSz="665226">
@@ -11873,7 +12903,7 @@
                 <a:sym typeface="Arial"/>
               </a:defRPr>
             </a:pPr>
-            <a:endParaRPr/>
+            <a:endParaRPr dirty="0"/>
           </a:p>
           <a:p>
             <a:pPr defTabSz="665226">
@@ -11893,7 +12923,7 @@
                 <a:sym typeface="Arial"/>
               </a:defRPr>
             </a:pPr>
-            <a:endParaRPr/>
+            <a:endParaRPr dirty="0"/>
           </a:p>
           <a:p>
             <a:pPr defTabSz="665226">
@@ -11913,7 +12943,7 @@
                 <a:sym typeface="Arial"/>
               </a:defRPr>
             </a:pPr>
-            <a:endParaRPr/>
+            <a:endParaRPr dirty="0"/>
           </a:p>
           <a:p>
             <a:pPr defTabSz="665226">
@@ -11934,7 +12964,80 @@
               </a:defRPr>
             </a:pPr>
             <a:r>
-              <a:t>EJB 使用 &lt;% %&gt; 或 [% %] 作為內崁 JavaScript 的關鍵符號，也就是說放在這中間的部分就會被視為 JavaScript 來執行，另外如果放在 &lt;%= %&gt; 裡面的 JavaScript 變數，則會以 toString() 的方式將其轉換為字串，並加入至網頁中。</a:t>
+              <a:rPr dirty="0" smtClean="0"/>
+              <a:t>EJ</a:t>
+            </a:r>
+            <a:r>
+              <a:rPr lang="en-US" dirty="0"/>
+              <a:t>S</a:t>
+            </a:r>
+            <a:r>
+              <a:rPr dirty="0" smtClean="0"/>
+              <a:t> </a:t>
+            </a:r>
+            <a:r>
+              <a:rPr dirty="0" err="1"/>
+              <a:t>使用</a:t>
+            </a:r>
+            <a:r>
+              <a:rPr dirty="0"/>
+              <a:t> &lt;% %&gt; 或 [% %] </a:t>
+            </a:r>
+            <a:r>
+              <a:rPr dirty="0" err="1"/>
+              <a:t>作為內崁</a:t>
+            </a:r>
+            <a:r>
+              <a:rPr dirty="0"/>
+              <a:t> JavaScript </a:t>
+            </a:r>
+            <a:r>
+              <a:rPr dirty="0" err="1"/>
+              <a:t>的關鍵符號，也就是說放在這中間的部分就會被視為</a:t>
+            </a:r>
+            <a:r>
+              <a:rPr dirty="0"/>
+              <a:t> JavaScript </a:t>
+            </a:r>
+            <a:r>
+              <a:rPr dirty="0" err="1"/>
+              <a:t>來執行，另外如果放在</a:t>
+            </a:r>
+            <a:r>
+              <a:rPr dirty="0"/>
+              <a:t> &lt;%= %&gt; </a:t>
+            </a:r>
+            <a:r>
+              <a:rPr dirty="0" err="1"/>
+              <a:t>裡面的</a:t>
+            </a:r>
+            <a:r>
+              <a:rPr dirty="0"/>
+              <a:t> JavaScript </a:t>
+            </a:r>
+            <a:r>
+              <a:rPr dirty="0" err="1"/>
+              <a:t>變數，則會以</a:t>
+            </a:r>
+            <a:r>
+              <a:rPr dirty="0"/>
+              <a:t> </a:t>
+            </a:r>
+            <a:r>
+              <a:rPr dirty="0" err="1"/>
+              <a:t>toString</a:t>
+            </a:r>
+            <a:r>
+              <a:rPr dirty="0"/>
+              <a:t>() </a:t>
+            </a:r>
+            <a:r>
+              <a:rPr dirty="0" err="1"/>
+              <a:t>的方式將其轉換為字串，並加入至網頁中</a:t>
+            </a:r>
+            <a:r>
+              <a:rPr dirty="0"/>
+              <a:t>。</a:t>
             </a:r>
           </a:p>
         </p:txBody>
@@ -11957,8 +13060,8 @@
         </p:blipFill>
         <p:spPr>
           <a:xfrm>
-            <a:off x="2431120" y="2476738"/>
-            <a:ext cx="5734841" cy="1904522"/>
+            <a:off x="711921" y="2462882"/>
+            <a:ext cx="7592292" cy="2053699"/>
           </a:xfrm>
           <a:prstGeom prst="rect">
             <a:avLst/>
@@ -12039,10 +13142,17 @@
     <a:masterClrMapping/>
   </p:clrMapOvr>
   <p:transition spd="slow"/>
+  <p:timing>
+    <p:tnLst>
+      <p:par>
+        <p:cTn id="1" dur="indefinite" restart="never" nodeType="tmRoot"/>
+      </p:par>
+    </p:tnLst>
+  </p:timing>
 </p:sld>
 </file>
 
-<file path=ppt/slides/slide27.xml><?xml version="1.0" encoding="utf-8"?>
+<file path=ppt/slides/slide29.xml><?xml version="1.0" encoding="utf-8"?>
 <p:sld xmlns:a="http://schemas.openxmlformats.org/drawingml/2006/main" xmlns:r="http://schemas.openxmlformats.org/officeDocument/2006/relationships" xmlns:p="http://schemas.openxmlformats.org/presentationml/2006/main">
   <p:cSld>
     <p:spTree>
@@ -12411,10 +13521,184 @@
     <a:masterClrMapping/>
   </p:clrMapOvr>
   <p:transition spd="slow"/>
+  <p:timing>
+    <p:tnLst>
+      <p:par>
+        <p:cTn id="1" dur="indefinite" restart="never" nodeType="tmRoot"/>
+      </p:par>
+    </p:tnLst>
+  </p:timing>
 </p:sld>
 </file>
 
-<file path=ppt/slides/slide28.xml><?xml version="1.0" encoding="utf-8"?>
+<file path=ppt/slides/slide3.xml><?xml version="1.0" encoding="utf-8"?>
+<p:sld xmlns:a="http://schemas.openxmlformats.org/drawingml/2006/main" xmlns:r="http://schemas.openxmlformats.org/officeDocument/2006/relationships" xmlns:p="http://schemas.openxmlformats.org/presentationml/2006/main">
+  <p:cSld>
+    <p:spTree>
+      <p:nvGrpSpPr>
+        <p:cNvPr id="1" name=""/>
+        <p:cNvGrpSpPr/>
+        <p:nvPr/>
+      </p:nvGrpSpPr>
+      <p:grpSpPr>
+        <a:xfrm>
+          <a:off x="0" y="0"/>
+          <a:ext cx="0" cy="0"/>
+          <a:chOff x="0" y="0"/>
+          <a:chExt cx="0" cy="0"/>
+        </a:xfrm>
+      </p:grpSpPr>
+      <p:sp>
+        <p:nvSpPr>
+          <p:cNvPr id="245" name="Shape 245"/>
+          <p:cNvSpPr>
+            <a:spLocks noGrp="1"/>
+          </p:cNvSpPr>
+          <p:nvPr>
+            <p:ph type="body" idx="1"/>
+          </p:nvPr>
+        </p:nvSpPr>
+        <p:spPr>
+          <a:xfrm>
+            <a:off x="531812" y="1424433"/>
+            <a:ext cx="7772401" cy="4645920"/>
+          </a:xfrm>
+          <a:prstGeom prst="rect">
+            <a:avLst/>
+          </a:prstGeom>
+        </p:spPr>
+        <p:txBody>
+          <a:bodyPr anchor="t"/>
+          <a:lstStyle/>
+          <a:p>
+            <a:pPr defTabSz="694944">
+              <a:lnSpc>
+                <a:spcPct val="115000"/>
+              </a:lnSpc>
+              <a:spcBef>
+                <a:spcPts val="1200"/>
+              </a:spcBef>
+              <a:defRPr sz="2400">
+                <a:solidFill>
+                  <a:srgbClr val="585858"/>
+                </a:solidFill>
+                <a:latin typeface="Arial"/>
+                <a:ea typeface="Arial"/>
+                <a:cs typeface="Arial"/>
+                <a:sym typeface="Arial"/>
+              </a:defRPr>
+            </a:pPr>
+            <a:r>
+              <a:t>node.js官方網站</a:t>
+            </a:r>
+            <a:r>
+              <a:rPr sz="1300"/>
+              <a:t>    </a:t>
+            </a:r>
+            <a:r>
+              <a:rPr u="sng">
+                <a:solidFill>
+                  <a:srgbClr val="0000FF"/>
+                </a:solidFill>
+                <a:uFill>
+                  <a:solidFill>
+                    <a:srgbClr val="0000FF"/>
+                  </a:solidFill>
+                </a:uFill>
+                <a:hlinkClick r:id="rId2"/>
+              </a:rPr>
+              <a:t>https://nodejs.org/en/</a:t>
+            </a:r>
+          </a:p>
+        </p:txBody>
+      </p:sp>
+      <p:sp>
+        <p:nvSpPr>
+          <p:cNvPr id="246" name="Shape 246"/>
+          <p:cNvSpPr/>
+          <p:nvPr/>
+        </p:nvSpPr>
+        <p:spPr>
+          <a:xfrm>
+            <a:off x="531812" y="215699"/>
+            <a:ext cx="7772401" cy="646317"/>
+          </a:xfrm>
+          <a:prstGeom prst="rect">
+            <a:avLst/>
+          </a:prstGeom>
+          <a:ln w="12700">
+            <a:miter lim="400000"/>
+          </a:ln>
+          <a:extLst>
+            <a:ext uri="{C572A759-6A51-4108-AA02-DFA0A04FC94B}">
+              <ma14:wrappingTextBoxFlag xmlns="" xmlns:ma14="http://schemas.microsoft.com/office/mac/drawingml/2011/main" val="1"/>
+            </a:ext>
+          </a:extLst>
+        </p:spPr>
+        <p:txBody>
+          <a:bodyPr lIns="45718" tIns="45718" rIns="45718" bIns="45718" anchor="ctr">
+            <a:normAutofit lnSpcReduction="10000"/>
+          </a:bodyPr>
+          <a:lstStyle>
+            <a:lvl1pPr algn="ctr" defTabSz="877822">
+              <a:defRPr sz="4000">
+                <a:solidFill>
+                  <a:srgbClr val="FFFFFF"/>
+                </a:solidFill>
+                <a:latin typeface="Arial"/>
+                <a:ea typeface="Arial"/>
+                <a:cs typeface="Arial"/>
+                <a:sym typeface="Arial"/>
+              </a:defRPr>
+            </a:lvl1pPr>
+          </a:lstStyle>
+          <a:p>
+            <a:r>
+              <a:t>node.js安裝</a:t>
+            </a:r>
+          </a:p>
+        </p:txBody>
+      </p:sp>
+      <p:pic>
+        <p:nvPicPr>
+          <p:cNvPr id="2" name="圖片 1"/>
+          <p:cNvPicPr>
+            <a:picLocks noChangeAspect="1"/>
+          </p:cNvPicPr>
+          <p:nvPr/>
+        </p:nvPicPr>
+        <p:blipFill>
+          <a:blip r:embed="rId3">
+            <a:extLst>
+              <a:ext uri="{28A0092B-C50C-407E-A947-70E740481C1C}">
+                <a14:useLocalDpi xmlns:a14="http://schemas.microsoft.com/office/drawing/2010/main" val="0"/>
+              </a:ext>
+            </a:extLst>
+          </a:blip>
+          <a:stretch>
+            <a:fillRect/>
+          </a:stretch>
+        </p:blipFill>
+        <p:spPr>
+          <a:xfrm>
+            <a:off x="0" y="1154880"/>
+            <a:ext cx="9144000" cy="4548240"/>
+          </a:xfrm>
+          <a:prstGeom prst="rect">
+            <a:avLst/>
+          </a:prstGeom>
+        </p:spPr>
+      </p:pic>
+    </p:spTree>
+  </p:cSld>
+  <p:clrMapOvr>
+    <a:masterClrMapping/>
+  </p:clrMapOvr>
+  <p:transition spd="slow"/>
+</p:sld>
+</file>
+
+<file path=ppt/slides/slide30.xml><?xml version="1.0" encoding="utf-8"?>
 <p:sld xmlns:a="http://schemas.openxmlformats.org/drawingml/2006/main" xmlns:r="http://schemas.openxmlformats.org/officeDocument/2006/relationships" xmlns:p="http://schemas.openxmlformats.org/presentationml/2006/main">
   <p:cSld>
     <p:spTree>
@@ -12577,7 +13861,7 @@
           </a:lstStyle>
           <a:p>
             <a:fld id="{86CB4B4D-7CA3-9044-876B-883B54F8677D}" type="slidenum">
-              <a:t>28</a:t>
+              <a:t>30</a:t>
             </a:fld>
             <a:endParaRPr/>
           </a:p>
@@ -13904,10 +15188,17 @@
     <a:masterClrMapping/>
   </p:clrMapOvr>
   <p:transition spd="slow"/>
+  <p:timing>
+    <p:tnLst>
+      <p:par>
+        <p:cTn id="1" dur="indefinite" restart="never" nodeType="tmRoot"/>
+      </p:par>
+    </p:tnLst>
+  </p:timing>
 </p:sld>
 </file>
 
-<file path=ppt/slides/slide29.xml><?xml version="1.0" encoding="utf-8"?>
+<file path=ppt/slides/slide31.xml><?xml version="1.0" encoding="utf-8"?>
 <p:sld xmlns:a="http://schemas.openxmlformats.org/drawingml/2006/main" xmlns:r="http://schemas.openxmlformats.org/officeDocument/2006/relationships" xmlns:p="http://schemas.openxmlformats.org/presentationml/2006/main">
   <p:cSld>
     <p:spTree>
@@ -14284,177 +15575,17 @@
     <a:masterClrMapping/>
   </p:clrMapOvr>
   <p:transition spd="slow"/>
+  <p:timing>
+    <p:tnLst>
+      <p:par>
+        <p:cTn id="1" dur="indefinite" restart="never" nodeType="tmRoot"/>
+      </p:par>
+    </p:tnLst>
+  </p:timing>
 </p:sld>
 </file>
 
-<file path=ppt/slides/slide3.xml><?xml version="1.0" encoding="utf-8"?>
-<p:sld xmlns:a="http://schemas.openxmlformats.org/drawingml/2006/main" xmlns:r="http://schemas.openxmlformats.org/officeDocument/2006/relationships" xmlns:p="http://schemas.openxmlformats.org/presentationml/2006/main">
-  <p:cSld>
-    <p:spTree>
-      <p:nvGrpSpPr>
-        <p:cNvPr id="1" name=""/>
-        <p:cNvGrpSpPr/>
-        <p:nvPr/>
-      </p:nvGrpSpPr>
-      <p:grpSpPr>
-        <a:xfrm>
-          <a:off x="0" y="0"/>
-          <a:ext cx="0" cy="0"/>
-          <a:chOff x="0" y="0"/>
-          <a:chExt cx="0" cy="0"/>
-        </a:xfrm>
-      </p:grpSpPr>
-      <p:sp>
-        <p:nvSpPr>
-          <p:cNvPr id="245" name="Shape 245"/>
-          <p:cNvSpPr>
-            <a:spLocks noGrp="1"/>
-          </p:cNvSpPr>
-          <p:nvPr>
-            <p:ph type="body" idx="1"/>
-          </p:nvPr>
-        </p:nvSpPr>
-        <p:spPr>
-          <a:xfrm>
-            <a:off x="531812" y="1424433"/>
-            <a:ext cx="7772401" cy="4645920"/>
-          </a:xfrm>
-          <a:prstGeom prst="rect">
-            <a:avLst/>
-          </a:prstGeom>
-        </p:spPr>
-        <p:txBody>
-          <a:bodyPr anchor="t"/>
-          <a:lstStyle/>
-          <a:p>
-            <a:pPr defTabSz="694944">
-              <a:lnSpc>
-                <a:spcPct val="115000"/>
-              </a:lnSpc>
-              <a:spcBef>
-                <a:spcPts val="1200"/>
-              </a:spcBef>
-              <a:defRPr sz="2400">
-                <a:solidFill>
-                  <a:srgbClr val="585858"/>
-                </a:solidFill>
-                <a:latin typeface="Arial"/>
-                <a:ea typeface="Arial"/>
-                <a:cs typeface="Arial"/>
-                <a:sym typeface="Arial"/>
-              </a:defRPr>
-            </a:pPr>
-            <a:r>
-              <a:t>node.js官方網站</a:t>
-            </a:r>
-            <a:r>
-              <a:rPr sz="1300"/>
-              <a:t>    </a:t>
-            </a:r>
-            <a:r>
-              <a:rPr u="sng">
-                <a:solidFill>
-                  <a:srgbClr val="0000FF"/>
-                </a:solidFill>
-                <a:uFill>
-                  <a:solidFill>
-                    <a:srgbClr val="0000FF"/>
-                  </a:solidFill>
-                </a:uFill>
-                <a:hlinkClick r:id="rId2"/>
-              </a:rPr>
-              <a:t>https://nodejs.org/en/</a:t>
-            </a:r>
-          </a:p>
-        </p:txBody>
-      </p:sp>
-      <p:sp>
-        <p:nvSpPr>
-          <p:cNvPr id="246" name="Shape 246"/>
-          <p:cNvSpPr/>
-          <p:nvPr/>
-        </p:nvSpPr>
-        <p:spPr>
-          <a:xfrm>
-            <a:off x="531812" y="215699"/>
-            <a:ext cx="7772401" cy="646317"/>
-          </a:xfrm>
-          <a:prstGeom prst="rect">
-            <a:avLst/>
-          </a:prstGeom>
-          <a:ln w="12700">
-            <a:miter lim="400000"/>
-          </a:ln>
-          <a:extLst>
-            <a:ext uri="{C572A759-6A51-4108-AA02-DFA0A04FC94B}">
-              <ma14:wrappingTextBoxFlag xmlns="" xmlns:ma14="http://schemas.microsoft.com/office/mac/drawingml/2011/main" val="1"/>
-            </a:ext>
-          </a:extLst>
-        </p:spPr>
-        <p:txBody>
-          <a:bodyPr lIns="45718" tIns="45718" rIns="45718" bIns="45718" anchor="ctr">
-            <a:normAutofit lnSpcReduction="10000"/>
-          </a:bodyPr>
-          <a:lstStyle>
-            <a:lvl1pPr algn="ctr" defTabSz="877822">
-              <a:defRPr sz="4000">
-                <a:solidFill>
-                  <a:srgbClr val="FFFFFF"/>
-                </a:solidFill>
-                <a:latin typeface="Arial"/>
-                <a:ea typeface="Arial"/>
-                <a:cs typeface="Arial"/>
-                <a:sym typeface="Arial"/>
-              </a:defRPr>
-            </a:lvl1pPr>
-          </a:lstStyle>
-          <a:p>
-            <a:r>
-              <a:t>node.js安裝</a:t>
-            </a:r>
-          </a:p>
-        </p:txBody>
-      </p:sp>
-      <p:pic>
-        <p:nvPicPr>
-          <p:cNvPr id="2" name="圖片 1"/>
-          <p:cNvPicPr>
-            <a:picLocks noChangeAspect="1"/>
-          </p:cNvPicPr>
-          <p:nvPr/>
-        </p:nvPicPr>
-        <p:blipFill>
-          <a:blip r:embed="rId3">
-            <a:extLst>
-              <a:ext uri="{28A0092B-C50C-407E-A947-70E740481C1C}">
-                <a14:useLocalDpi xmlns:a14="http://schemas.microsoft.com/office/drawing/2010/main" val="0"/>
-              </a:ext>
-            </a:extLst>
-          </a:blip>
-          <a:stretch>
-            <a:fillRect/>
-          </a:stretch>
-        </p:blipFill>
-        <p:spPr>
-          <a:xfrm>
-            <a:off x="0" y="1154880"/>
-            <a:ext cx="9144000" cy="4548240"/>
-          </a:xfrm>
-          <a:prstGeom prst="rect">
-            <a:avLst/>
-          </a:prstGeom>
-        </p:spPr>
-      </p:pic>
-    </p:spTree>
-  </p:cSld>
-  <p:clrMapOvr>
-    <a:masterClrMapping/>
-  </p:clrMapOvr>
-  <p:transition spd="slow"/>
-</p:sld>
-</file>
-
-<file path=ppt/slides/slide30.xml><?xml version="1.0" encoding="utf-8"?>
+<file path=ppt/slides/slide32.xml><?xml version="1.0" encoding="utf-8"?>
 <p:sld xmlns:a="http://schemas.openxmlformats.org/drawingml/2006/main" xmlns:r="http://schemas.openxmlformats.org/officeDocument/2006/relationships" xmlns:p="http://schemas.openxmlformats.org/presentationml/2006/main">
   <p:cSld>
     <p:spTree>
@@ -14686,10 +15817,17 @@
     <a:masterClrMapping/>
   </p:clrMapOvr>
   <p:transition spd="slow"/>
+  <p:timing>
+    <p:tnLst>
+      <p:par>
+        <p:cTn id="1" dur="indefinite" restart="never" nodeType="tmRoot"/>
+      </p:par>
+    </p:tnLst>
+  </p:timing>
 </p:sld>
 </file>
 
-<file path=ppt/slides/slide31.xml><?xml version="1.0" encoding="utf-8"?>
+<file path=ppt/slides/slide33.xml><?xml version="1.0" encoding="utf-8"?>
 <p:sld xmlns:a="http://schemas.openxmlformats.org/drawingml/2006/main" xmlns:r="http://schemas.openxmlformats.org/officeDocument/2006/relationships" xmlns:p="http://schemas.openxmlformats.org/presentationml/2006/main">
   <p:cSld>
     <p:spTree>
@@ -14798,10 +15936,17 @@
     <a:masterClrMapping/>
   </p:clrMapOvr>
   <p:transition spd="slow"/>
+  <p:timing>
+    <p:tnLst>
+      <p:par>
+        <p:cTn id="1" dur="indefinite" restart="never" nodeType="tmRoot"/>
+      </p:par>
+    </p:tnLst>
+  </p:timing>
 </p:sld>
 </file>
 
-<file path=ppt/slides/slide32.xml><?xml version="1.0" encoding="utf-8"?>
+<file path=ppt/slides/slide34.xml><?xml version="1.0" encoding="utf-8"?>
 <p:sld xmlns:a="http://schemas.openxmlformats.org/drawingml/2006/main" xmlns:r="http://schemas.openxmlformats.org/officeDocument/2006/relationships" xmlns:p="http://schemas.openxmlformats.org/presentationml/2006/main">
   <p:cSld>
     <p:spTree>
@@ -14969,10 +16114,17 @@
     <a:masterClrMapping/>
   </p:clrMapOvr>
   <p:transition spd="slow"/>
+  <p:timing>
+    <p:tnLst>
+      <p:par>
+        <p:cTn id="1" dur="indefinite" restart="never" nodeType="tmRoot"/>
+      </p:par>
+    </p:tnLst>
+  </p:timing>
 </p:sld>
 </file>
 
-<file path=ppt/slides/slide33.xml><?xml version="1.0" encoding="utf-8"?>
+<file path=ppt/slides/slide35.xml><?xml version="1.0" encoding="utf-8"?>
 <p:sld xmlns:a="http://schemas.openxmlformats.org/drawingml/2006/main" xmlns:r="http://schemas.openxmlformats.org/officeDocument/2006/relationships" xmlns:p="http://schemas.openxmlformats.org/presentationml/2006/main">
   <p:cSld>
     <p:spTree>
@@ -15151,10 +16303,17 @@
     <a:masterClrMapping/>
   </p:clrMapOvr>
   <p:transition spd="slow"/>
+  <p:timing>
+    <p:tnLst>
+      <p:par>
+        <p:cTn id="1" dur="indefinite" restart="never" nodeType="tmRoot"/>
+      </p:par>
+    </p:tnLst>
+  </p:timing>
 </p:sld>
 </file>
 
-<file path=ppt/slides/slide34.xml><?xml version="1.0" encoding="utf-8"?>
+<file path=ppt/slides/slide36.xml><?xml version="1.0" encoding="utf-8"?>
 <p:sld xmlns:a="http://schemas.openxmlformats.org/drawingml/2006/main" xmlns:r="http://schemas.openxmlformats.org/officeDocument/2006/relationships" xmlns:p="http://schemas.openxmlformats.org/presentationml/2006/main">
   <p:cSld>
     <p:spTree>
@@ -15288,10 +16447,17 @@
     <a:masterClrMapping/>
   </p:clrMapOvr>
   <p:transition spd="slow"/>
+  <p:timing>
+    <p:tnLst>
+      <p:par>
+        <p:cTn id="1" dur="indefinite" restart="never" nodeType="tmRoot"/>
+      </p:par>
+    </p:tnLst>
+  </p:timing>
 </p:sld>
 </file>
 
-<file path=ppt/slides/slide35.xml><?xml version="1.0" encoding="utf-8"?>
+<file path=ppt/slides/slide37.xml><?xml version="1.0" encoding="utf-8"?>
 <p:sld xmlns:a="http://schemas.openxmlformats.org/drawingml/2006/main" xmlns:r="http://schemas.openxmlformats.org/officeDocument/2006/relationships" xmlns:p="http://schemas.openxmlformats.org/presentationml/2006/main">
   <p:cSld>
     <p:spTree>
@@ -15648,7 +16814,7 @@
 </p:sld>
 </file>
 
-<file path=ppt/slides/slide36.xml><?xml version="1.0" encoding="utf-8"?>
+<file path=ppt/slides/slide38.xml><?xml version="1.0" encoding="utf-8"?>
 <p:sld xmlns:a="http://schemas.openxmlformats.org/drawingml/2006/main" xmlns:r="http://schemas.openxmlformats.org/officeDocument/2006/relationships" xmlns:p="http://schemas.openxmlformats.org/presentationml/2006/main">
   <p:cSld>
     <p:spTree>
@@ -15930,7 +17096,7 @@
 </p:sld>
 </file>
 
-<file path=ppt/slides/slide37.xml><?xml version="1.0" encoding="utf-8"?>
+<file path=ppt/slides/slide39.xml><?xml version="1.0" encoding="utf-8"?>
 <p:sld xmlns:a="http://schemas.openxmlformats.org/drawingml/2006/main" xmlns:r="http://schemas.openxmlformats.org/officeDocument/2006/relationships" xmlns:p="http://schemas.openxmlformats.org/presentationml/2006/main">
   <p:cSld>
     <p:spTree>
@@ -15956,9 +17122,9 @@
         <p:grpSpPr>
           <a:xfrm>
             <a:off x="619273" y="-31180"/>
-            <a:ext cx="7905455" cy="8937138"/>
+            <a:ext cx="7905457" cy="8399218"/>
             <a:chOff x="0" y="0"/>
-            <a:chExt cx="7905453" cy="8937137"/>
+            <a:chExt cx="7905455" cy="8399217"/>
           </a:xfrm>
         </p:grpSpPr>
         <p:sp>
@@ -16029,7 +17195,7 @@
           <p:spPr>
             <a:xfrm>
               <a:off x="0" y="0"/>
-              <a:ext cx="7905455" cy="8937138"/>
+              <a:ext cx="7905455" cy="8399217"/>
             </a:xfrm>
             <a:prstGeom prst="rect">
               <a:avLst/>
@@ -16070,63 +17236,11 @@
                 </a:defRPr>
               </a:pPr>
               <a:r>
-                <a:rPr dirty="0" err="1"/>
-                <a:t>Schema.Types</a:t>
-              </a:r>
-              <a:endParaRPr dirty="0"/>
-            </a:p>
-            <a:p>
-              <a:pPr defTabSz="905255">
-                <a:lnSpc>
-                  <a:spcPct val="115000"/>
-                </a:lnSpc>
-                <a:spcBef>
-                  <a:spcPts val="1500"/>
-                </a:spcBef>
-                <a:defRPr sz="1200" b="1">
-                  <a:solidFill>
-                    <a:srgbClr val="585858"/>
-                  </a:solidFill>
-                  <a:latin typeface="Arial"/>
-                  <a:ea typeface="Arial"/>
-                  <a:cs typeface="Arial"/>
-                  <a:sym typeface="Arial"/>
-                </a:defRPr>
-              </a:pPr>
-              <a:r>
-                <a:rPr dirty="0" err="1"/>
-                <a:t>NodeJS中的基本数据类型都属于Schema.Type，另外Mongoose还定义了自己的类型</a:t>
-              </a:r>
-              <a:endParaRPr dirty="0"/>
-            </a:p>
-            <a:p>
-              <a:pPr defTabSz="905255">
-                <a:lnSpc>
-                  <a:spcPct val="115000"/>
-                </a:lnSpc>
-                <a:spcBef>
-                  <a:spcPts val="1500"/>
-                </a:spcBef>
-                <a:defRPr sz="1200" b="1">
-                  <a:solidFill>
-                    <a:srgbClr val="585858"/>
-                  </a:solidFill>
-                  <a:latin typeface="Arial"/>
-                  <a:ea typeface="Arial"/>
-                  <a:cs typeface="Arial"/>
-                  <a:sym typeface="Arial"/>
-                </a:defRPr>
-              </a:pPr>
-              <a:r>
-                <a:rPr dirty="0"/>
-                <a:t>    </a:t>
-              </a:r>
-              <a:r>
-                <a:rPr dirty="0" err="1"/>
+                <a:rPr dirty="0" err="1" smtClean="0"/>
                 <a:t>var</a:t>
               </a:r>
               <a:r>
-                <a:rPr dirty="0"/>
+                <a:rPr dirty="0" smtClean="0"/>
                 <a:t> </a:t>
               </a:r>
               <a:r>
@@ -16776,462 +17890,6 @@
 </p:sld>
 </file>
 
-<file path=ppt/slides/slide38.xml><?xml version="1.0" encoding="utf-8"?>
-<p:sld xmlns:a="http://schemas.openxmlformats.org/drawingml/2006/main" xmlns:r="http://schemas.openxmlformats.org/officeDocument/2006/relationships" xmlns:p="http://schemas.openxmlformats.org/presentationml/2006/main">
-  <p:cSld>
-    <p:spTree>
-      <p:nvGrpSpPr>
-        <p:cNvPr id="1" name=""/>
-        <p:cNvGrpSpPr/>
-        <p:nvPr/>
-      </p:nvGrpSpPr>
-      <p:grpSpPr>
-        <a:xfrm>
-          <a:off x="0" y="0"/>
-          <a:ext cx="0" cy="0"/>
-          <a:chOff x="0" y="0"/>
-          <a:chExt cx="0" cy="0"/>
-        </a:xfrm>
-      </p:grpSpPr>
-      <p:sp>
-        <p:nvSpPr>
-          <p:cNvPr id="438" name="Shape 438"/>
-          <p:cNvSpPr>
-            <a:spLocks noGrp="1"/>
-          </p:cNvSpPr>
-          <p:nvPr>
-            <p:ph type="title"/>
-          </p:nvPr>
-        </p:nvSpPr>
-        <p:spPr>
-          <a:xfrm>
-            <a:off x="544512" y="131208"/>
-            <a:ext cx="7772401" cy="899915"/>
-          </a:xfrm>
-          <a:prstGeom prst="rect">
-            <a:avLst/>
-          </a:prstGeom>
-        </p:spPr>
-        <p:txBody>
-          <a:bodyPr anchor="ctr"/>
-          <a:lstStyle>
-            <a:lvl1pPr algn="ctr" defTabSz="905255">
-              <a:lnSpc>
-                <a:spcPct val="115000"/>
-              </a:lnSpc>
-              <a:spcBef>
-                <a:spcPts val="1500"/>
-              </a:spcBef>
-              <a:defRPr cap="none">
-                <a:solidFill>
-                  <a:srgbClr val="FFFFFF"/>
-                </a:solidFill>
-              </a:defRPr>
-            </a:lvl1pPr>
-          </a:lstStyle>
-          <a:p>
-            <a:r>
-              <a:t>Model</a:t>
-            </a:r>
-          </a:p>
-        </p:txBody>
-      </p:sp>
-      <p:sp>
-        <p:nvSpPr>
-          <p:cNvPr id="439" name="Shape 439"/>
-          <p:cNvSpPr>
-            <a:spLocks noGrp="1"/>
-          </p:cNvSpPr>
-          <p:nvPr>
-            <p:ph type="body" idx="1"/>
-          </p:nvPr>
-        </p:nvSpPr>
-        <p:spPr>
-          <a:xfrm>
-            <a:off x="685798" y="1228330"/>
-            <a:ext cx="7772404" cy="4746662"/>
-          </a:xfrm>
-          <a:prstGeom prst="rect">
-            <a:avLst/>
-          </a:prstGeom>
-        </p:spPr>
-        <p:txBody>
-          <a:bodyPr anchor="t"/>
-          <a:lstStyle/>
-          <a:p>
-            <a:pPr defTabSz="905255">
-              <a:lnSpc>
-                <a:spcPct val="115000"/>
-              </a:lnSpc>
-              <a:spcBef>
-                <a:spcPts val="1500"/>
-              </a:spcBef>
-              <a:defRPr sz="2500">
-                <a:solidFill>
-                  <a:srgbClr val="585858"/>
-                </a:solidFill>
-                <a:latin typeface="Arial"/>
-                <a:ea typeface="Arial"/>
-                <a:cs typeface="Arial"/>
-                <a:sym typeface="Arial"/>
-              </a:defRPr>
-            </a:pPr>
-            <a:r>
-              <a:t>而 mongoose 的 Model 概念，則是對一個 collection 結構定義與操作方法的集合，也就是用 Schema 定義了一個 collection 的結構，加上其他對這個 collection 的驗證設定、操作方法等等，便構成了一個 Model。</a:t>
-            </a:r>
-          </a:p>
-          <a:p>
-            <a:pPr defTabSz="905255">
-              <a:lnSpc>
-                <a:spcPct val="115000"/>
-              </a:lnSpc>
-              <a:spcBef>
-                <a:spcPts val="1500"/>
-              </a:spcBef>
-              <a:defRPr sz="2500">
-                <a:solidFill>
-                  <a:srgbClr val="585858"/>
-                </a:solidFill>
-                <a:latin typeface="Arial"/>
-                <a:ea typeface="Arial"/>
-                <a:cs typeface="Arial"/>
-                <a:sym typeface="Arial"/>
-              </a:defRPr>
-            </a:pPr>
-            <a:r>
-              <a:t>最後將這個 Schema 定義到一個叫做 User 的 model：</a:t>
-            </a:r>
-          </a:p>
-          <a:p>
-            <a:pPr defTabSz="905255">
-              <a:lnSpc>
-                <a:spcPct val="115000"/>
-              </a:lnSpc>
-              <a:spcBef>
-                <a:spcPts val="1500"/>
-              </a:spcBef>
-              <a:defRPr sz="2500" b="0">
-                <a:solidFill>
-                  <a:srgbClr val="585858"/>
-                </a:solidFill>
-                <a:latin typeface="Arial"/>
-                <a:ea typeface="Arial"/>
-                <a:cs typeface="Arial"/>
-                <a:sym typeface="Arial"/>
-              </a:defRPr>
-            </a:pPr>
-            <a:r>
-              <a:t>mongoose.model(‘User’, userSchema);</a:t>
-            </a:r>
-          </a:p>
-        </p:txBody>
-      </p:sp>
-    </p:spTree>
-  </p:cSld>
-  <p:clrMapOvr>
-    <a:masterClrMapping/>
-  </p:clrMapOvr>
-  <p:transition spd="slow"/>
-  <p:timing>
-    <p:tnLst>
-      <p:par>
-        <p:cTn id="1" dur="indefinite" restart="never" nodeType="tmRoot"/>
-      </p:par>
-    </p:tnLst>
-  </p:timing>
-</p:sld>
-</file>
-
-<file path=ppt/slides/slide39.xml><?xml version="1.0" encoding="utf-8"?>
-<p:sld xmlns:a="http://schemas.openxmlformats.org/drawingml/2006/main" xmlns:r="http://schemas.openxmlformats.org/officeDocument/2006/relationships" xmlns:p="http://schemas.openxmlformats.org/presentationml/2006/main">
-  <p:cSld>
-    <p:spTree>
-      <p:nvGrpSpPr>
-        <p:cNvPr id="1" name=""/>
-        <p:cNvGrpSpPr/>
-        <p:nvPr/>
-      </p:nvGrpSpPr>
-      <p:grpSpPr>
-        <a:xfrm>
-          <a:off x="0" y="0"/>
-          <a:ext cx="0" cy="0"/>
-          <a:chOff x="0" y="0"/>
-          <a:chExt cx="0" cy="0"/>
-        </a:xfrm>
-      </p:grpSpPr>
-      <p:sp>
-        <p:nvSpPr>
-          <p:cNvPr id="441" name="Shape 441"/>
-          <p:cNvSpPr>
-            <a:spLocks noGrp="1"/>
-          </p:cNvSpPr>
-          <p:nvPr>
-            <p:ph type="title"/>
-          </p:nvPr>
-        </p:nvSpPr>
-        <p:spPr>
-          <a:xfrm>
-            <a:off x="531812" y="131208"/>
-            <a:ext cx="7772401" cy="899915"/>
-          </a:xfrm>
-          <a:prstGeom prst="rect">
-            <a:avLst/>
-          </a:prstGeom>
-        </p:spPr>
-        <p:txBody>
-          <a:bodyPr anchor="ctr"/>
-          <a:lstStyle>
-            <a:lvl1pPr algn="ctr" defTabSz="905255">
-              <a:lnSpc>
-                <a:spcPct val="115000"/>
-              </a:lnSpc>
-              <a:spcBef>
-                <a:spcPts val="1500"/>
-              </a:spcBef>
-              <a:defRPr cap="none">
-                <a:solidFill>
-                  <a:srgbClr val="FFFFFF"/>
-                </a:solidFill>
-              </a:defRPr>
-            </a:lvl1pPr>
-          </a:lstStyle>
-          <a:p>
-            <a:r>
-              <a:t>操作Model</a:t>
-            </a:r>
-          </a:p>
-        </p:txBody>
-      </p:sp>
-      <p:sp>
-        <p:nvSpPr>
-          <p:cNvPr id="442" name="Shape 442"/>
-          <p:cNvSpPr>
-            <a:spLocks noGrp="1"/>
-          </p:cNvSpPr>
-          <p:nvPr>
-            <p:ph type="body" idx="1"/>
-          </p:nvPr>
-        </p:nvSpPr>
-        <p:spPr>
-          <a:xfrm>
-            <a:off x="531812" y="1249521"/>
-            <a:ext cx="7772401" cy="4704280"/>
-          </a:xfrm>
-          <a:prstGeom prst="rect">
-            <a:avLst/>
-          </a:prstGeom>
-        </p:spPr>
-        <p:txBody>
-          <a:bodyPr anchor="t">
-            <a:normAutofit lnSpcReduction="10000"/>
-          </a:bodyPr>
-          <a:lstStyle/>
-          <a:p>
-            <a:pPr defTabSz="615572">
-              <a:lnSpc>
-                <a:spcPct val="115000"/>
-              </a:lnSpc>
-              <a:spcBef>
-                <a:spcPts val="1000"/>
-              </a:spcBef>
-              <a:defRPr>
-                <a:solidFill>
-                  <a:srgbClr val="585858"/>
-                </a:solidFill>
-                <a:latin typeface="Arial"/>
-                <a:ea typeface="Arial"/>
-                <a:cs typeface="Arial"/>
-                <a:sym typeface="Arial"/>
-              </a:defRPr>
-            </a:pPr>
-            <a:r>
-              <a:t>當要使用這個 model 只要用 mongoose.model() 將 model 讀出來，便可以對他進行操作了：</a:t>
-            </a:r>
-          </a:p>
-          <a:p>
-            <a:pPr defTabSz="615572">
-              <a:lnSpc>
-                <a:spcPct val="115000"/>
-              </a:lnSpc>
-              <a:spcBef>
-                <a:spcPts val="1000"/>
-              </a:spcBef>
-              <a:defRPr b="0">
-                <a:solidFill>
-                  <a:srgbClr val="585858"/>
-                </a:solidFill>
-                <a:latin typeface="Arial"/>
-                <a:ea typeface="Arial"/>
-                <a:cs typeface="Arial"/>
-                <a:sym typeface="Arial"/>
-              </a:defRPr>
-            </a:pPr>
-            <a:r>
-              <a:t>var </a:t>
-            </a:r>
-            <a:r>
-              <a:rPr b="1"/>
-              <a:t>UserModel</a:t>
-            </a:r>
-            <a:r>
-              <a:t> = mongoose.model(‘User’);</a:t>
-            </a:r>
-          </a:p>
-          <a:p>
-            <a:pPr defTabSz="615572">
-              <a:lnSpc>
-                <a:spcPct val="115000"/>
-              </a:lnSpc>
-              <a:spcBef>
-                <a:spcPts val="1000"/>
-              </a:spcBef>
-              <a:defRPr b="0">
-                <a:solidFill>
-                  <a:srgbClr val="585858"/>
-                </a:solidFill>
-                <a:latin typeface="Arial"/>
-                <a:ea typeface="Arial"/>
-                <a:cs typeface="Arial"/>
-                <a:sym typeface="Arial"/>
-              </a:defRPr>
-            </a:pPr>
-            <a:r>
-              <a:t>這行程式的意思是，用UserSchema來產生一個名(index)為"User"的Model並指定給變數UserModel。</a:t>
-            </a:r>
-          </a:p>
-          <a:p>
-            <a:pPr defTabSz="615572">
-              <a:lnSpc>
-                <a:spcPct val="115000"/>
-              </a:lnSpc>
-              <a:spcBef>
-                <a:spcPts val="1000"/>
-              </a:spcBef>
-              <a:defRPr b="0">
-                <a:solidFill>
-                  <a:srgbClr val="585858"/>
-                </a:solidFill>
-                <a:latin typeface="Arial"/>
-                <a:ea typeface="Arial"/>
-                <a:cs typeface="Arial"/>
-                <a:sym typeface="Arial"/>
-              </a:defRPr>
-            </a:pPr>
-            <a:endParaRPr/>
-          </a:p>
-          <a:p>
-            <a:pPr defTabSz="615572">
-              <a:lnSpc>
-                <a:spcPct val="115000"/>
-              </a:lnSpc>
-              <a:spcBef>
-                <a:spcPts val="1000"/>
-              </a:spcBef>
-              <a:defRPr b="0">
-                <a:solidFill>
-                  <a:srgbClr val="585858"/>
-                </a:solidFill>
-                <a:latin typeface="Arial"/>
-                <a:ea typeface="Arial"/>
-                <a:cs typeface="Arial"/>
-                <a:sym typeface="Arial"/>
-              </a:defRPr>
-            </a:pPr>
-            <a:r>
-              <a:t>最後用這個Model來產生一個Entity：</a:t>
-            </a:r>
-          </a:p>
-          <a:p>
-            <a:pPr defTabSz="615572">
-              <a:lnSpc>
-                <a:spcPct val="115000"/>
-              </a:lnSpc>
-              <a:spcBef>
-                <a:spcPts val="1000"/>
-              </a:spcBef>
-              <a:defRPr b="0">
-                <a:solidFill>
-                  <a:srgbClr val="585858"/>
-                </a:solidFill>
-                <a:latin typeface="Arial"/>
-                <a:ea typeface="Arial"/>
-                <a:cs typeface="Arial"/>
-                <a:sym typeface="Arial"/>
-              </a:defRPr>
-            </a:pPr>
-            <a:r>
-              <a:t>var userEntity = new </a:t>
-            </a:r>
-            <a:r>
-              <a:rPr b="1"/>
-              <a:t>UserModel</a:t>
-            </a:r>
-            <a:r>
-              <a:t>({name:'Zack'});</a:t>
-            </a:r>
-          </a:p>
-          <a:p>
-            <a:pPr defTabSz="615572">
-              <a:lnSpc>
-                <a:spcPct val="115000"/>
-              </a:lnSpc>
-              <a:spcBef>
-                <a:spcPts val="1000"/>
-              </a:spcBef>
-              <a:defRPr b="0">
-                <a:solidFill>
-                  <a:srgbClr val="585858"/>
-                </a:solidFill>
-                <a:latin typeface="Arial"/>
-                <a:ea typeface="Arial"/>
-                <a:cs typeface="Arial"/>
-                <a:sym typeface="Arial"/>
-              </a:defRPr>
-            </a:pPr>
-            <a:r>
-              <a:t>console.log(userEntity.name); //Zack</a:t>
-            </a:r>
-          </a:p>
-          <a:p>
-            <a:pPr defTabSz="615572">
-              <a:lnSpc>
-                <a:spcPct val="115000"/>
-              </a:lnSpc>
-              <a:spcBef>
-                <a:spcPts val="1000"/>
-              </a:spcBef>
-              <a:defRPr b="0">
-                <a:solidFill>
-                  <a:srgbClr val="585858"/>
-                </a:solidFill>
-                <a:latin typeface="Arial"/>
-                <a:ea typeface="Arial"/>
-                <a:cs typeface="Arial"/>
-                <a:sym typeface="Arial"/>
-              </a:defRPr>
-            </a:pPr>
-            <a:r>
-              <a:t>產生Entity的同時給屬性name賦值為"Zack"，再由console.log(userEntity.name)打印出來。</a:t>
-            </a:r>
-          </a:p>
-        </p:txBody>
-      </p:sp>
-    </p:spTree>
-  </p:cSld>
-  <p:clrMapOvr>
-    <a:masterClrMapping/>
-  </p:clrMapOvr>
-  <p:transition spd="slow"/>
-  <p:timing>
-    <p:tnLst>
-      <p:par>
-        <p:cTn id="1" dur="indefinite" restart="never" nodeType="tmRoot"/>
-      </p:par>
-    </p:tnLst>
-  </p:timing>
-</p:sld>
-</file>
-
 <file path=ppt/slides/slide4.xml><?xml version="1.0" encoding="utf-8"?>
 <p:sld xmlns:a="http://schemas.openxmlformats.org/drawingml/2006/main" xmlns:r="http://schemas.openxmlformats.org/officeDocument/2006/relationships" xmlns:p="http://schemas.openxmlformats.org/presentationml/2006/main">
   <p:cSld>
@@ -17637,6 +18295,529 @@
       </p:grpSpPr>
       <p:sp>
         <p:nvSpPr>
+          <p:cNvPr id="438" name="Shape 438"/>
+          <p:cNvSpPr>
+            <a:spLocks noGrp="1"/>
+          </p:cNvSpPr>
+          <p:nvPr>
+            <p:ph type="title"/>
+          </p:nvPr>
+        </p:nvSpPr>
+        <p:spPr>
+          <a:xfrm>
+            <a:off x="544512" y="131208"/>
+            <a:ext cx="7772401" cy="899915"/>
+          </a:xfrm>
+          <a:prstGeom prst="rect">
+            <a:avLst/>
+          </a:prstGeom>
+        </p:spPr>
+        <p:txBody>
+          <a:bodyPr anchor="ctr"/>
+          <a:lstStyle>
+            <a:lvl1pPr algn="ctr" defTabSz="905255">
+              <a:lnSpc>
+                <a:spcPct val="115000"/>
+              </a:lnSpc>
+              <a:spcBef>
+                <a:spcPts val="1500"/>
+              </a:spcBef>
+              <a:defRPr cap="none">
+                <a:solidFill>
+                  <a:srgbClr val="FFFFFF"/>
+                </a:solidFill>
+              </a:defRPr>
+            </a:lvl1pPr>
+          </a:lstStyle>
+          <a:p>
+            <a:r>
+              <a:t>Model</a:t>
+            </a:r>
+          </a:p>
+        </p:txBody>
+      </p:sp>
+      <p:sp>
+        <p:nvSpPr>
+          <p:cNvPr id="439" name="Shape 439"/>
+          <p:cNvSpPr>
+            <a:spLocks noGrp="1"/>
+          </p:cNvSpPr>
+          <p:nvPr>
+            <p:ph type="body" idx="1"/>
+          </p:nvPr>
+        </p:nvSpPr>
+        <p:spPr>
+          <a:xfrm>
+            <a:off x="685798" y="1228330"/>
+            <a:ext cx="7772404" cy="4746662"/>
+          </a:xfrm>
+          <a:prstGeom prst="rect">
+            <a:avLst/>
+          </a:prstGeom>
+        </p:spPr>
+        <p:txBody>
+          <a:bodyPr anchor="t"/>
+          <a:lstStyle/>
+          <a:p>
+            <a:pPr defTabSz="905255">
+              <a:lnSpc>
+                <a:spcPct val="115000"/>
+              </a:lnSpc>
+              <a:spcBef>
+                <a:spcPts val="1500"/>
+              </a:spcBef>
+              <a:defRPr sz="2500">
+                <a:solidFill>
+                  <a:srgbClr val="585858"/>
+                </a:solidFill>
+                <a:latin typeface="Arial"/>
+                <a:ea typeface="Arial"/>
+                <a:cs typeface="Arial"/>
+                <a:sym typeface="Arial"/>
+              </a:defRPr>
+            </a:pPr>
+            <a:r>
+              <a:rPr dirty="0"/>
+              <a:t>而 mongoose 的 Model </a:t>
+            </a:r>
+            <a:r>
+              <a:rPr dirty="0" err="1"/>
+              <a:t>概念，則是對一個</a:t>
+            </a:r>
+            <a:r>
+              <a:rPr dirty="0"/>
+              <a:t> collection </a:t>
+            </a:r>
+            <a:r>
+              <a:rPr dirty="0" err="1"/>
+              <a:t>結構定義與操作方法的集合，也就是用</a:t>
+            </a:r>
+            <a:r>
+              <a:rPr dirty="0"/>
+              <a:t> Schema </a:t>
+            </a:r>
+            <a:r>
+              <a:rPr dirty="0" err="1"/>
+              <a:t>定義了一個</a:t>
+            </a:r>
+            <a:r>
+              <a:rPr dirty="0"/>
+              <a:t> collection </a:t>
+            </a:r>
+            <a:r>
+              <a:rPr dirty="0" err="1"/>
+              <a:t>的結構，加上其他對這個</a:t>
+            </a:r>
+            <a:r>
+              <a:rPr dirty="0"/>
+              <a:t> collection </a:t>
+            </a:r>
+            <a:r>
+              <a:rPr dirty="0" err="1"/>
+              <a:t>的驗證設定、操作方法等等，便構成了一個</a:t>
+            </a:r>
+            <a:r>
+              <a:rPr dirty="0"/>
+              <a:t> Model。</a:t>
+            </a:r>
+          </a:p>
+          <a:p>
+            <a:pPr defTabSz="905255">
+              <a:lnSpc>
+                <a:spcPct val="115000"/>
+              </a:lnSpc>
+              <a:spcBef>
+                <a:spcPts val="1500"/>
+              </a:spcBef>
+              <a:defRPr sz="2500">
+                <a:solidFill>
+                  <a:srgbClr val="585858"/>
+                </a:solidFill>
+                <a:latin typeface="Arial"/>
+                <a:ea typeface="Arial"/>
+                <a:cs typeface="Arial"/>
+                <a:sym typeface="Arial"/>
+              </a:defRPr>
+            </a:pPr>
+            <a:r>
+              <a:rPr dirty="0" err="1"/>
+              <a:t>最後將這個</a:t>
+            </a:r>
+            <a:r>
+              <a:rPr dirty="0"/>
+              <a:t> Schema </a:t>
+            </a:r>
+            <a:r>
+              <a:rPr dirty="0" err="1"/>
+              <a:t>定義到一個叫做</a:t>
+            </a:r>
+            <a:r>
+              <a:rPr dirty="0"/>
+              <a:t> User 的 model：</a:t>
+            </a:r>
+          </a:p>
+          <a:p>
+            <a:pPr defTabSz="905255">
+              <a:lnSpc>
+                <a:spcPct val="115000"/>
+              </a:lnSpc>
+              <a:spcBef>
+                <a:spcPts val="1500"/>
+              </a:spcBef>
+              <a:defRPr sz="2500" b="0">
+                <a:solidFill>
+                  <a:srgbClr val="585858"/>
+                </a:solidFill>
+                <a:latin typeface="Arial"/>
+                <a:ea typeface="Arial"/>
+                <a:cs typeface="Arial"/>
+                <a:sym typeface="Arial"/>
+              </a:defRPr>
+            </a:pPr>
+            <a:r>
+              <a:rPr dirty="0" err="1"/>
+              <a:t>mongoose.model</a:t>
+            </a:r>
+            <a:r>
+              <a:rPr dirty="0"/>
+              <a:t>(‘User’, </a:t>
+            </a:r>
+            <a:r>
+              <a:rPr dirty="0" err="1"/>
+              <a:t>userSchema</a:t>
+            </a:r>
+            <a:r>
+              <a:rPr dirty="0"/>
+              <a:t>);</a:t>
+            </a:r>
+          </a:p>
+        </p:txBody>
+      </p:sp>
+    </p:spTree>
+  </p:cSld>
+  <p:clrMapOvr>
+    <a:masterClrMapping/>
+  </p:clrMapOvr>
+  <p:transition spd="slow"/>
+  <p:timing>
+    <p:tnLst>
+      <p:par>
+        <p:cTn id="1" dur="indefinite" restart="never" nodeType="tmRoot"/>
+      </p:par>
+    </p:tnLst>
+  </p:timing>
+</p:sld>
+</file>
+
+<file path=ppt/slides/slide41.xml><?xml version="1.0" encoding="utf-8"?>
+<p:sld xmlns:a="http://schemas.openxmlformats.org/drawingml/2006/main" xmlns:r="http://schemas.openxmlformats.org/officeDocument/2006/relationships" xmlns:p="http://schemas.openxmlformats.org/presentationml/2006/main">
+  <p:cSld>
+    <p:spTree>
+      <p:nvGrpSpPr>
+        <p:cNvPr id="1" name=""/>
+        <p:cNvGrpSpPr/>
+        <p:nvPr/>
+      </p:nvGrpSpPr>
+      <p:grpSpPr>
+        <a:xfrm>
+          <a:off x="0" y="0"/>
+          <a:ext cx="0" cy="0"/>
+          <a:chOff x="0" y="0"/>
+          <a:chExt cx="0" cy="0"/>
+        </a:xfrm>
+      </p:grpSpPr>
+      <p:sp>
+        <p:nvSpPr>
+          <p:cNvPr id="441" name="Shape 441"/>
+          <p:cNvSpPr>
+            <a:spLocks noGrp="1"/>
+          </p:cNvSpPr>
+          <p:nvPr>
+            <p:ph type="title"/>
+          </p:nvPr>
+        </p:nvSpPr>
+        <p:spPr>
+          <a:xfrm>
+            <a:off x="531812" y="131208"/>
+            <a:ext cx="7772401" cy="899915"/>
+          </a:xfrm>
+          <a:prstGeom prst="rect">
+            <a:avLst/>
+          </a:prstGeom>
+        </p:spPr>
+        <p:txBody>
+          <a:bodyPr anchor="ctr"/>
+          <a:lstStyle>
+            <a:lvl1pPr algn="ctr" defTabSz="905255">
+              <a:lnSpc>
+                <a:spcPct val="115000"/>
+              </a:lnSpc>
+              <a:spcBef>
+                <a:spcPts val="1500"/>
+              </a:spcBef>
+              <a:defRPr cap="none">
+                <a:solidFill>
+                  <a:srgbClr val="FFFFFF"/>
+                </a:solidFill>
+              </a:defRPr>
+            </a:lvl1pPr>
+          </a:lstStyle>
+          <a:p>
+            <a:r>
+              <a:t>操作Model</a:t>
+            </a:r>
+          </a:p>
+        </p:txBody>
+      </p:sp>
+      <p:sp>
+        <p:nvSpPr>
+          <p:cNvPr id="442" name="Shape 442"/>
+          <p:cNvSpPr>
+            <a:spLocks noGrp="1"/>
+          </p:cNvSpPr>
+          <p:nvPr>
+            <p:ph type="body" idx="1"/>
+          </p:nvPr>
+        </p:nvSpPr>
+        <p:spPr>
+          <a:xfrm>
+            <a:off x="531812" y="1249521"/>
+            <a:ext cx="7772401" cy="4704280"/>
+          </a:xfrm>
+          <a:prstGeom prst="rect">
+            <a:avLst/>
+          </a:prstGeom>
+        </p:spPr>
+        <p:txBody>
+          <a:bodyPr anchor="t">
+            <a:normAutofit lnSpcReduction="10000"/>
+          </a:bodyPr>
+          <a:lstStyle/>
+          <a:p>
+            <a:pPr defTabSz="615572">
+              <a:lnSpc>
+                <a:spcPct val="115000"/>
+              </a:lnSpc>
+              <a:spcBef>
+                <a:spcPts val="1000"/>
+              </a:spcBef>
+              <a:defRPr>
+                <a:solidFill>
+                  <a:srgbClr val="585858"/>
+                </a:solidFill>
+                <a:latin typeface="Arial"/>
+                <a:ea typeface="Arial"/>
+                <a:cs typeface="Arial"/>
+                <a:sym typeface="Arial"/>
+              </a:defRPr>
+            </a:pPr>
+            <a:r>
+              <a:t>當要使用這個 model 只要用 mongoose.model() 將 model 讀出來，便可以對他進行操作了：</a:t>
+            </a:r>
+          </a:p>
+          <a:p>
+            <a:pPr defTabSz="615572">
+              <a:lnSpc>
+                <a:spcPct val="115000"/>
+              </a:lnSpc>
+              <a:spcBef>
+                <a:spcPts val="1000"/>
+              </a:spcBef>
+              <a:defRPr b="0">
+                <a:solidFill>
+                  <a:srgbClr val="585858"/>
+                </a:solidFill>
+                <a:latin typeface="Arial"/>
+                <a:ea typeface="Arial"/>
+                <a:cs typeface="Arial"/>
+                <a:sym typeface="Arial"/>
+              </a:defRPr>
+            </a:pPr>
+            <a:r>
+              <a:t>var </a:t>
+            </a:r>
+            <a:r>
+              <a:rPr b="1"/>
+              <a:t>UserModel</a:t>
+            </a:r>
+            <a:r>
+              <a:t> = mongoose.model(‘User’);</a:t>
+            </a:r>
+          </a:p>
+          <a:p>
+            <a:pPr defTabSz="615572">
+              <a:lnSpc>
+                <a:spcPct val="115000"/>
+              </a:lnSpc>
+              <a:spcBef>
+                <a:spcPts val="1000"/>
+              </a:spcBef>
+              <a:defRPr b="0">
+                <a:solidFill>
+                  <a:srgbClr val="585858"/>
+                </a:solidFill>
+                <a:latin typeface="Arial"/>
+                <a:ea typeface="Arial"/>
+                <a:cs typeface="Arial"/>
+                <a:sym typeface="Arial"/>
+              </a:defRPr>
+            </a:pPr>
+            <a:r>
+              <a:t>這行程式的意思是，用UserSchema來產生一個名(index)為"User"的Model並指定給變數UserModel。</a:t>
+            </a:r>
+          </a:p>
+          <a:p>
+            <a:pPr defTabSz="615572">
+              <a:lnSpc>
+                <a:spcPct val="115000"/>
+              </a:lnSpc>
+              <a:spcBef>
+                <a:spcPts val="1000"/>
+              </a:spcBef>
+              <a:defRPr b="0">
+                <a:solidFill>
+                  <a:srgbClr val="585858"/>
+                </a:solidFill>
+                <a:latin typeface="Arial"/>
+                <a:ea typeface="Arial"/>
+                <a:cs typeface="Arial"/>
+                <a:sym typeface="Arial"/>
+              </a:defRPr>
+            </a:pPr>
+            <a:endParaRPr/>
+          </a:p>
+          <a:p>
+            <a:pPr defTabSz="615572">
+              <a:lnSpc>
+                <a:spcPct val="115000"/>
+              </a:lnSpc>
+              <a:spcBef>
+                <a:spcPts val="1000"/>
+              </a:spcBef>
+              <a:defRPr b="0">
+                <a:solidFill>
+                  <a:srgbClr val="585858"/>
+                </a:solidFill>
+                <a:latin typeface="Arial"/>
+                <a:ea typeface="Arial"/>
+                <a:cs typeface="Arial"/>
+                <a:sym typeface="Arial"/>
+              </a:defRPr>
+            </a:pPr>
+            <a:r>
+              <a:t>最後用這個Model來產生一個Entity：</a:t>
+            </a:r>
+          </a:p>
+          <a:p>
+            <a:pPr defTabSz="615572">
+              <a:lnSpc>
+                <a:spcPct val="115000"/>
+              </a:lnSpc>
+              <a:spcBef>
+                <a:spcPts val="1000"/>
+              </a:spcBef>
+              <a:defRPr b="0">
+                <a:solidFill>
+                  <a:srgbClr val="585858"/>
+                </a:solidFill>
+                <a:latin typeface="Arial"/>
+                <a:ea typeface="Arial"/>
+                <a:cs typeface="Arial"/>
+                <a:sym typeface="Arial"/>
+              </a:defRPr>
+            </a:pPr>
+            <a:r>
+              <a:t>var userEntity = new </a:t>
+            </a:r>
+            <a:r>
+              <a:rPr b="1"/>
+              <a:t>UserModel</a:t>
+            </a:r>
+            <a:r>
+              <a:t>({name:'Zack'});</a:t>
+            </a:r>
+          </a:p>
+          <a:p>
+            <a:pPr defTabSz="615572">
+              <a:lnSpc>
+                <a:spcPct val="115000"/>
+              </a:lnSpc>
+              <a:spcBef>
+                <a:spcPts val="1000"/>
+              </a:spcBef>
+              <a:defRPr b="0">
+                <a:solidFill>
+                  <a:srgbClr val="585858"/>
+                </a:solidFill>
+                <a:latin typeface="Arial"/>
+                <a:ea typeface="Arial"/>
+                <a:cs typeface="Arial"/>
+                <a:sym typeface="Arial"/>
+              </a:defRPr>
+            </a:pPr>
+            <a:r>
+              <a:t>console.log(userEntity.name); //Zack</a:t>
+            </a:r>
+          </a:p>
+          <a:p>
+            <a:pPr defTabSz="615572">
+              <a:lnSpc>
+                <a:spcPct val="115000"/>
+              </a:lnSpc>
+              <a:spcBef>
+                <a:spcPts val="1000"/>
+              </a:spcBef>
+              <a:defRPr b="0">
+                <a:solidFill>
+                  <a:srgbClr val="585858"/>
+                </a:solidFill>
+                <a:latin typeface="Arial"/>
+                <a:ea typeface="Arial"/>
+                <a:cs typeface="Arial"/>
+                <a:sym typeface="Arial"/>
+              </a:defRPr>
+            </a:pPr>
+            <a:r>
+              <a:t>產生Entity的同時給屬性name賦值為"Zack"，再由console.log(userEntity.name)打印出來。</a:t>
+            </a:r>
+          </a:p>
+        </p:txBody>
+      </p:sp>
+    </p:spTree>
+  </p:cSld>
+  <p:clrMapOvr>
+    <a:masterClrMapping/>
+  </p:clrMapOvr>
+  <p:transition spd="slow"/>
+  <p:timing>
+    <p:tnLst>
+      <p:par>
+        <p:cTn id="1" dur="indefinite" restart="never" nodeType="tmRoot"/>
+      </p:par>
+    </p:tnLst>
+  </p:timing>
+</p:sld>
+</file>
+
+<file path=ppt/slides/slide42.xml><?xml version="1.0" encoding="utf-8"?>
+<p:sld xmlns:a="http://schemas.openxmlformats.org/drawingml/2006/main" xmlns:r="http://schemas.openxmlformats.org/officeDocument/2006/relationships" xmlns:p="http://schemas.openxmlformats.org/presentationml/2006/main">
+  <p:cSld>
+    <p:spTree>
+      <p:nvGrpSpPr>
+        <p:cNvPr id="1" name=""/>
+        <p:cNvGrpSpPr/>
+        <p:nvPr/>
+      </p:nvGrpSpPr>
+      <p:grpSpPr>
+        <a:xfrm>
+          <a:off x="0" y="0"/>
+          <a:ext cx="0" cy="0"/>
+          <a:chOff x="0" y="0"/>
+          <a:chExt cx="0" cy="0"/>
+        </a:xfrm>
+      </p:grpSpPr>
+      <p:sp>
+        <p:nvSpPr>
           <p:cNvPr id="444" name="Shape 444"/>
           <p:cNvSpPr>
             <a:spLocks noGrp="1"/>
@@ -17719,35 +18900,6 @@
           </a:p>
         </p:txBody>
       </p:sp>
-      <p:pic>
-        <p:nvPicPr>
-          <p:cNvPr id="446" name="image20.png"/>
-          <p:cNvPicPr>
-            <a:picLocks noChangeAspect="1"/>
-          </p:cNvPicPr>
-          <p:nvPr/>
-        </p:nvPicPr>
-        <p:blipFill>
-          <a:blip r:embed="rId2">
-            <a:extLst/>
-          </a:blip>
-          <a:stretch>
-            <a:fillRect/>
-          </a:stretch>
-        </p:blipFill>
-        <p:spPr>
-          <a:xfrm>
-            <a:off x="9719716" y="1866924"/>
-            <a:ext cx="9144001" cy="1381572"/>
-          </a:xfrm>
-          <a:prstGeom prst="rect">
-            <a:avLst/>
-          </a:prstGeom>
-          <a:ln w="12700">
-            <a:miter lim="400000"/>
-          </a:ln>
-        </p:spPr>
-      </p:pic>
       <p:grpSp>
         <p:nvGrpSpPr>
           <p:cNvPr id="449" name="Group 449"/>
@@ -18077,7 +19229,7 @@
 </p:sld>
 </file>
 
-<file path=ppt/slides/slide41.xml><?xml version="1.0" encoding="utf-8"?>
+<file path=ppt/slides/slide43.xml><?xml version="1.0" encoding="utf-8"?>
 <p:sld xmlns:a="http://schemas.openxmlformats.org/drawingml/2006/main" xmlns:r="http://schemas.openxmlformats.org/officeDocument/2006/relationships" xmlns:p="http://schemas.openxmlformats.org/presentationml/2006/main">
   <p:cSld>
     <p:spTree>
@@ -18415,7 +19567,7 @@
 </p:sld>
 </file>
 
-<file path=ppt/slides/slide42.xml><?xml version="1.0" encoding="utf-8"?>
+<file path=ppt/slides/slide44.xml><?xml version="1.0" encoding="utf-8"?>
 <p:sld xmlns:a="http://schemas.openxmlformats.org/drawingml/2006/main" xmlns:r="http://schemas.openxmlformats.org/officeDocument/2006/relationships" xmlns:p="http://schemas.openxmlformats.org/presentationml/2006/main">
   <p:cSld>
     <p:spTree>
@@ -18464,8 +19616,18 @@
           </a:lstStyle>
           <a:p>
             <a:r>
-              <a:t>訂閱流程</a:t>
-            </a:r>
+              <a:rPr dirty="0" err="1" smtClean="0"/>
+              <a:t>訂閱</a:t>
+            </a:r>
+            <a:r>
+              <a:rPr lang="zh-TW" altLang="en-US" dirty="0" smtClean="0"/>
+              <a:t>及後台處理</a:t>
+            </a:r>
+            <a:r>
+              <a:rPr dirty="0" err="1" smtClean="0"/>
+              <a:t>流程</a:t>
+            </a:r>
+            <a:endParaRPr dirty="0"/>
           </a:p>
         </p:txBody>
       </p:sp>
@@ -18514,7 +19676,7 @@
 </p:sld>
 </file>
 
-<file path=ppt/slides/slide43.xml><?xml version="1.0" encoding="utf-8"?>
+<file path=ppt/slides/slide45.xml><?xml version="1.0" encoding="utf-8"?>
 <p:sld xmlns:a="http://schemas.openxmlformats.org/drawingml/2006/main" xmlns:r="http://schemas.openxmlformats.org/officeDocument/2006/relationships" xmlns:p="http://schemas.openxmlformats.org/presentationml/2006/main">
   <p:cSld>
     <p:spTree>
@@ -18720,7 +19882,7 @@
 </p:sld>
 </file>
 
-<file path=ppt/slides/slide44.xml><?xml version="1.0" encoding="utf-8"?>
+<file path=ppt/slides/slide46.xml><?xml version="1.0" encoding="utf-8"?>
 <p:sld xmlns:a="http://schemas.openxmlformats.org/drawingml/2006/main" xmlns:r="http://schemas.openxmlformats.org/officeDocument/2006/relationships" xmlns:p="http://schemas.openxmlformats.org/presentationml/2006/main">
   <p:cSld>
     <p:spTree>
@@ -19865,7 +21027,7 @@
 </p:sld>
 </file>
 
-<file path=ppt/slides/slide45.xml><?xml version="1.0" encoding="utf-8"?>
+<file path=ppt/slides/slide47.xml><?xml version="1.0" encoding="utf-8"?>
 <p:sld xmlns:a="http://schemas.openxmlformats.org/drawingml/2006/main" xmlns:r="http://schemas.openxmlformats.org/officeDocument/2006/relationships" xmlns:p="http://schemas.openxmlformats.org/presentationml/2006/main">
   <p:cSld>
     <p:spTree>
@@ -20071,7 +21233,7 @@
 </p:sld>
 </file>
 
-<file path=ppt/slides/slide46.xml><?xml version="1.0" encoding="utf-8"?>
+<file path=ppt/slides/slide48.xml><?xml version="1.0" encoding="utf-8"?>
 <p:sld xmlns:a="http://schemas.openxmlformats.org/drawingml/2006/main" xmlns:r="http://schemas.openxmlformats.org/officeDocument/2006/relationships" xmlns:p="http://schemas.openxmlformats.org/presentationml/2006/main">
   <p:cSld>
     <p:spTree>
@@ -20525,7 +21687,7 @@
 </p:sld>
 </file>
 
-<file path=ppt/slides/slide47.xml><?xml version="1.0" encoding="utf-8"?>
+<file path=ppt/slides/slide49.xml><?xml version="1.0" encoding="utf-8"?>
 <p:sld xmlns:a="http://schemas.openxmlformats.org/drawingml/2006/main" xmlns:r="http://schemas.openxmlformats.org/officeDocument/2006/relationships" xmlns:p="http://schemas.openxmlformats.org/presentationml/2006/main">
   <p:cSld>
     <p:spTree>
@@ -21025,852 +22187,6 @@
 </p:sld>
 </file>
 
-<file path=ppt/slides/slide48.xml><?xml version="1.0" encoding="utf-8"?>
-<p:sld xmlns:a="http://schemas.openxmlformats.org/drawingml/2006/main" xmlns:r="http://schemas.openxmlformats.org/officeDocument/2006/relationships" xmlns:p="http://schemas.openxmlformats.org/presentationml/2006/main">
-  <p:cSld>
-    <p:spTree>
-      <p:nvGrpSpPr>
-        <p:cNvPr id="1" name=""/>
-        <p:cNvGrpSpPr/>
-        <p:nvPr/>
-      </p:nvGrpSpPr>
-      <p:grpSpPr>
-        <a:xfrm>
-          <a:off x="0" y="0"/>
-          <a:ext cx="0" cy="0"/>
-          <a:chOff x="0" y="0"/>
-          <a:chExt cx="0" cy="0"/>
-        </a:xfrm>
-      </p:grpSpPr>
-      <p:sp>
-        <p:nvSpPr>
-          <p:cNvPr id="494" name="Shape 494"/>
-          <p:cNvSpPr>
-            <a:spLocks noGrp="1"/>
-          </p:cNvSpPr>
-          <p:nvPr>
-            <p:ph type="title"/>
-          </p:nvPr>
-        </p:nvSpPr>
-        <p:spPr>
-          <a:xfrm>
-            <a:off x="685798" y="266699"/>
-            <a:ext cx="7772404" cy="899915"/>
-          </a:xfrm>
-          <a:prstGeom prst="rect">
-            <a:avLst/>
-          </a:prstGeom>
-        </p:spPr>
-        <p:txBody>
-          <a:bodyPr/>
-          <a:lstStyle>
-            <a:lvl1pPr algn="ctr">
-              <a:defRPr sz="4800" b="0" cap="none">
-                <a:solidFill>
-                  <a:srgbClr val="FFFFFF"/>
-                </a:solidFill>
-              </a:defRPr>
-            </a:lvl1pPr>
-          </a:lstStyle>
-          <a:p>
-            <a:r>
-              <a:t>頁面路由 - index.js</a:t>
-            </a:r>
-          </a:p>
-        </p:txBody>
-      </p:sp>
-      <p:sp>
-        <p:nvSpPr>
-          <p:cNvPr id="495" name="Shape 495"/>
-          <p:cNvSpPr>
-            <a:spLocks noGrp="1"/>
-          </p:cNvSpPr>
-          <p:nvPr>
-            <p:ph type="body" idx="1"/>
-          </p:nvPr>
-        </p:nvSpPr>
-        <p:spPr>
-          <a:xfrm>
-            <a:off x="685798" y="1255562"/>
-            <a:ext cx="7772404" cy="4713390"/>
-          </a:xfrm>
-          <a:prstGeom prst="rect">
-            <a:avLst/>
-          </a:prstGeom>
-        </p:spPr>
-        <p:txBody>
-          <a:bodyPr anchor="t">
-            <a:normAutofit lnSpcReduction="10000"/>
-          </a:bodyPr>
-          <a:lstStyle/>
-          <a:p>
-            <a:pPr defTabSz="232196">
-              <a:lnSpc>
-                <a:spcPct val="115000"/>
-              </a:lnSpc>
-              <a:spcBef>
-                <a:spcPts val="300"/>
-              </a:spcBef>
-              <a:defRPr sz="1400">
-                <a:solidFill>
-                  <a:srgbClr val="585858"/>
-                </a:solidFill>
-                <a:latin typeface="Arial"/>
-                <a:ea typeface="Arial"/>
-                <a:cs typeface="Arial"/>
-                <a:sym typeface="Arial"/>
-              </a:defRPr>
-            </a:pPr>
-            <a:r>
-              <a:rPr dirty="0" err="1"/>
-              <a:t>module.exports</a:t>
-            </a:r>
-            <a:r>
-              <a:rPr dirty="0"/>
-              <a:t> = function(app) {</a:t>
-            </a:r>
-          </a:p>
-          <a:p>
-            <a:pPr defTabSz="232196">
-              <a:lnSpc>
-                <a:spcPct val="115000"/>
-              </a:lnSpc>
-              <a:spcBef>
-                <a:spcPts val="300"/>
-              </a:spcBef>
-              <a:defRPr sz="1400">
-                <a:solidFill>
-                  <a:srgbClr val="585858"/>
-                </a:solidFill>
-                <a:latin typeface="Arial"/>
-                <a:ea typeface="Arial"/>
-                <a:cs typeface="Arial"/>
-                <a:sym typeface="Arial"/>
-              </a:defRPr>
-            </a:pPr>
-            <a:r>
-              <a:rPr dirty="0"/>
-              <a:t>  </a:t>
-            </a:r>
-            <a:r>
-              <a:rPr dirty="0" err="1"/>
-              <a:t>app.get</a:t>
-            </a:r>
-            <a:r>
-              <a:rPr dirty="0"/>
-              <a:t>('/', function (</a:t>
-            </a:r>
-            <a:r>
-              <a:rPr dirty="0" err="1"/>
-              <a:t>req</a:t>
-            </a:r>
-            <a:r>
-              <a:rPr dirty="0"/>
-              <a:t>, res) {</a:t>
-            </a:r>
-          </a:p>
-          <a:p>
-            <a:pPr defTabSz="232196">
-              <a:lnSpc>
-                <a:spcPct val="115000"/>
-              </a:lnSpc>
-              <a:spcBef>
-                <a:spcPts val="300"/>
-              </a:spcBef>
-              <a:defRPr sz="1400">
-                <a:solidFill>
-                  <a:srgbClr val="585858"/>
-                </a:solidFill>
-                <a:latin typeface="Arial"/>
-                <a:ea typeface="Arial"/>
-                <a:cs typeface="Arial"/>
-                <a:sym typeface="Arial"/>
-              </a:defRPr>
-            </a:pPr>
-            <a:r>
-              <a:rPr dirty="0"/>
-              <a:t>    </a:t>
-            </a:r>
-            <a:r>
-              <a:rPr dirty="0" err="1"/>
-              <a:t>res.render</a:t>
-            </a:r>
-            <a:r>
-              <a:rPr dirty="0"/>
-              <a:t>('index', { title: '</a:t>
-            </a:r>
-            <a:r>
-              <a:rPr dirty="0" err="1"/>
-              <a:t>首頁</a:t>
-            </a:r>
-            <a:r>
-              <a:rPr dirty="0"/>
-              <a:t>' });</a:t>
-            </a:r>
-          </a:p>
-          <a:p>
-            <a:pPr defTabSz="232196">
-              <a:lnSpc>
-                <a:spcPct val="115000"/>
-              </a:lnSpc>
-              <a:spcBef>
-                <a:spcPts val="300"/>
-              </a:spcBef>
-              <a:defRPr sz="1400">
-                <a:solidFill>
-                  <a:srgbClr val="585858"/>
-                </a:solidFill>
-                <a:latin typeface="Arial"/>
-                <a:ea typeface="Arial"/>
-                <a:cs typeface="Arial"/>
-                <a:sym typeface="Arial"/>
-              </a:defRPr>
-            </a:pPr>
-            <a:r>
-              <a:rPr dirty="0"/>
-              <a:t>  });</a:t>
-            </a:r>
-          </a:p>
-          <a:p>
-            <a:pPr defTabSz="232196">
-              <a:lnSpc>
-                <a:spcPct val="115000"/>
-              </a:lnSpc>
-              <a:spcBef>
-                <a:spcPts val="300"/>
-              </a:spcBef>
-              <a:defRPr sz="1400">
-                <a:solidFill>
-                  <a:srgbClr val="585858"/>
-                </a:solidFill>
-                <a:latin typeface="Arial"/>
-                <a:ea typeface="Arial"/>
-                <a:cs typeface="Arial"/>
-                <a:sym typeface="Arial"/>
-              </a:defRPr>
-            </a:pPr>
-            <a:r>
-              <a:rPr dirty="0"/>
-              <a:t>  </a:t>
-            </a:r>
-            <a:r>
-              <a:rPr dirty="0" err="1"/>
-              <a:t>app.get</a:t>
-            </a:r>
-            <a:r>
-              <a:rPr dirty="0"/>
-              <a:t>('/update', function (</a:t>
-            </a:r>
-            <a:r>
-              <a:rPr dirty="0" err="1"/>
-              <a:t>req</a:t>
-            </a:r>
-            <a:r>
-              <a:rPr dirty="0"/>
-              <a:t>, res) {</a:t>
-            </a:r>
-          </a:p>
-          <a:p>
-            <a:pPr defTabSz="232196">
-              <a:lnSpc>
-                <a:spcPct val="115000"/>
-              </a:lnSpc>
-              <a:spcBef>
-                <a:spcPts val="300"/>
-              </a:spcBef>
-              <a:defRPr sz="1400">
-                <a:solidFill>
-                  <a:srgbClr val="585858"/>
-                </a:solidFill>
-                <a:latin typeface="Arial"/>
-                <a:ea typeface="Arial"/>
-                <a:cs typeface="Arial"/>
-                <a:sym typeface="Arial"/>
-              </a:defRPr>
-            </a:pPr>
-            <a:r>
-              <a:rPr dirty="0"/>
-              <a:t>	console.log('render to </a:t>
-            </a:r>
-            <a:r>
-              <a:t>update.ejs</a:t>
-            </a:r>
-            <a:r>
-              <a:rPr dirty="0"/>
-              <a:t>');</a:t>
-            </a:r>
-          </a:p>
-          <a:p>
-            <a:pPr defTabSz="232196">
-              <a:lnSpc>
-                <a:spcPct val="115000"/>
-              </a:lnSpc>
-              <a:spcBef>
-                <a:spcPts val="300"/>
-              </a:spcBef>
-              <a:defRPr sz="1400">
-                <a:solidFill>
-                  <a:srgbClr val="585858"/>
-                </a:solidFill>
-                <a:latin typeface="Arial"/>
-                <a:ea typeface="Arial"/>
-                <a:cs typeface="Arial"/>
-                <a:sym typeface="Arial"/>
-              </a:defRPr>
-            </a:pPr>
-            <a:r>
-              <a:rPr dirty="0"/>
-              <a:t>	</a:t>
-            </a:r>
-            <a:r>
-              <a:rPr dirty="0" err="1"/>
-              <a:t>res.render</a:t>
-            </a:r>
-            <a:r>
-              <a:rPr dirty="0"/>
-              <a:t>('post', { title: '</a:t>
-            </a:r>
-            <a:r>
-              <a:rPr dirty="0" err="1"/>
-              <a:t>更新</a:t>
-            </a:r>
-            <a:r>
-              <a:rPr dirty="0"/>
-              <a:t>' });</a:t>
-            </a:r>
-          </a:p>
-          <a:p>
-            <a:pPr defTabSz="232196">
-              <a:lnSpc>
-                <a:spcPct val="115000"/>
-              </a:lnSpc>
-              <a:spcBef>
-                <a:spcPts val="300"/>
-              </a:spcBef>
-              <a:defRPr sz="1400">
-                <a:solidFill>
-                  <a:srgbClr val="585858"/>
-                </a:solidFill>
-                <a:latin typeface="Arial"/>
-                <a:ea typeface="Arial"/>
-                <a:cs typeface="Arial"/>
-                <a:sym typeface="Arial"/>
-              </a:defRPr>
-            </a:pPr>
-            <a:r>
-              <a:rPr dirty="0"/>
-              <a:t>  });</a:t>
-            </a:r>
-          </a:p>
-          <a:p>
-            <a:pPr defTabSz="232196">
-              <a:lnSpc>
-                <a:spcPct val="115000"/>
-              </a:lnSpc>
-              <a:spcBef>
-                <a:spcPts val="300"/>
-              </a:spcBef>
-              <a:defRPr sz="1400">
-                <a:solidFill>
-                  <a:srgbClr val="585858"/>
-                </a:solidFill>
-                <a:latin typeface="Arial"/>
-                <a:ea typeface="Arial"/>
-                <a:cs typeface="Arial"/>
-                <a:sym typeface="Arial"/>
-              </a:defRPr>
-            </a:pPr>
-            <a:r>
-              <a:rPr dirty="0"/>
-              <a:t>  </a:t>
-            </a:r>
-            <a:r>
-              <a:rPr dirty="0" err="1"/>
-              <a:t>app.post</a:t>
-            </a:r>
-            <a:r>
-              <a:rPr dirty="0"/>
-              <a:t>('/post', function (</a:t>
-            </a:r>
-            <a:r>
-              <a:rPr dirty="0" err="1"/>
-              <a:t>req</a:t>
-            </a:r>
-            <a:r>
-              <a:rPr dirty="0"/>
-              <a:t>, res) {</a:t>
-            </a:r>
-          </a:p>
-          <a:p>
-            <a:pPr defTabSz="232196">
-              <a:lnSpc>
-                <a:spcPct val="115000"/>
-              </a:lnSpc>
-              <a:spcBef>
-                <a:spcPts val="300"/>
-              </a:spcBef>
-              <a:defRPr sz="1400">
-                <a:solidFill>
-                  <a:srgbClr val="585858"/>
-                </a:solidFill>
-                <a:latin typeface="Arial"/>
-                <a:ea typeface="Arial"/>
-                <a:cs typeface="Arial"/>
-                <a:sym typeface="Arial"/>
-              </a:defRPr>
-            </a:pPr>
-            <a:r>
-              <a:rPr dirty="0"/>
-              <a:t>  });</a:t>
-            </a:r>
-          </a:p>
-          <a:p>
-            <a:pPr defTabSz="232196">
-              <a:lnSpc>
-                <a:spcPct val="115000"/>
-              </a:lnSpc>
-              <a:spcBef>
-                <a:spcPts val="300"/>
-              </a:spcBef>
-              <a:defRPr sz="1400">
-                <a:solidFill>
-                  <a:srgbClr val="585858"/>
-                </a:solidFill>
-                <a:latin typeface="Arial"/>
-                <a:ea typeface="Arial"/>
-                <a:cs typeface="Arial"/>
-                <a:sym typeface="Arial"/>
-              </a:defRPr>
-            </a:pPr>
-            <a:r>
-              <a:rPr dirty="0"/>
-              <a:t>  </a:t>
-            </a:r>
-            <a:r>
-              <a:rPr dirty="0" err="1"/>
-              <a:t>app.get</a:t>
-            </a:r>
-            <a:r>
-              <a:rPr dirty="0"/>
-              <a:t>('/find', function (</a:t>
-            </a:r>
-            <a:r>
-              <a:rPr dirty="0" err="1"/>
-              <a:t>req</a:t>
-            </a:r>
-            <a:r>
-              <a:rPr dirty="0"/>
-              <a:t>, res) {</a:t>
-            </a:r>
-          </a:p>
-          <a:p>
-            <a:pPr defTabSz="232196">
-              <a:lnSpc>
-                <a:spcPct val="115000"/>
-              </a:lnSpc>
-              <a:spcBef>
-                <a:spcPts val="300"/>
-              </a:spcBef>
-              <a:defRPr sz="1400">
-                <a:solidFill>
-                  <a:srgbClr val="585858"/>
-                </a:solidFill>
-                <a:latin typeface="Arial"/>
-                <a:ea typeface="Arial"/>
-                <a:cs typeface="Arial"/>
-                <a:sym typeface="Arial"/>
-              </a:defRPr>
-            </a:pPr>
-            <a:r>
-              <a:rPr dirty="0"/>
-              <a:t>	console.log('render to </a:t>
-            </a:r>
-            <a:r>
-              <a:rPr dirty="0" err="1"/>
-              <a:t>post.ejs</a:t>
-            </a:r>
-            <a:r>
-              <a:rPr dirty="0"/>
-              <a:t>');</a:t>
-            </a:r>
-          </a:p>
-          <a:p>
-            <a:pPr defTabSz="232196">
-              <a:lnSpc>
-                <a:spcPct val="115000"/>
-              </a:lnSpc>
-              <a:spcBef>
-                <a:spcPts val="300"/>
-              </a:spcBef>
-              <a:defRPr sz="1400">
-                <a:solidFill>
-                  <a:srgbClr val="585858"/>
-                </a:solidFill>
-                <a:latin typeface="Arial"/>
-                <a:ea typeface="Arial"/>
-                <a:cs typeface="Arial"/>
-                <a:sym typeface="Arial"/>
-              </a:defRPr>
-            </a:pPr>
-            <a:r>
-              <a:rPr dirty="0"/>
-              <a:t>	</a:t>
-            </a:r>
-            <a:r>
-              <a:rPr dirty="0" err="1"/>
-              <a:t>res.render</a:t>
-            </a:r>
-            <a:r>
-              <a:rPr dirty="0"/>
-              <a:t>('find', { title: '</a:t>
-            </a:r>
-            <a:r>
-              <a:rPr dirty="0" err="1"/>
-              <a:t>查詢</a:t>
-            </a:r>
-            <a:r>
-              <a:rPr dirty="0"/>
-              <a:t>' });</a:t>
-            </a:r>
-          </a:p>
-          <a:p>
-            <a:pPr defTabSz="232196">
-              <a:lnSpc>
-                <a:spcPct val="115000"/>
-              </a:lnSpc>
-              <a:spcBef>
-                <a:spcPts val="300"/>
-              </a:spcBef>
-              <a:defRPr sz="1400">
-                <a:solidFill>
-                  <a:srgbClr val="585858"/>
-                </a:solidFill>
-                <a:latin typeface="Arial"/>
-                <a:ea typeface="Arial"/>
-                <a:cs typeface="Arial"/>
-                <a:sym typeface="Arial"/>
-              </a:defRPr>
-            </a:pPr>
-            <a:r>
-              <a:rPr dirty="0"/>
-              <a:t>  });</a:t>
-            </a:r>
-          </a:p>
-          <a:p>
-            <a:pPr defTabSz="232196">
-              <a:lnSpc>
-                <a:spcPct val="115000"/>
-              </a:lnSpc>
-              <a:spcBef>
-                <a:spcPts val="300"/>
-              </a:spcBef>
-              <a:defRPr sz="1400">
-                <a:solidFill>
-                  <a:srgbClr val="585858"/>
-                </a:solidFill>
-                <a:latin typeface="Arial"/>
-                <a:ea typeface="Arial"/>
-                <a:cs typeface="Arial"/>
-                <a:sym typeface="Arial"/>
-              </a:defRPr>
-            </a:pPr>
-            <a:r>
-              <a:rPr dirty="0"/>
-              <a:t>  </a:t>
-            </a:r>
-            <a:r>
-              <a:rPr dirty="0" err="1"/>
-              <a:t>app.post</a:t>
-            </a:r>
-            <a:r>
-              <a:rPr dirty="0"/>
-              <a:t>('/find', function (</a:t>
-            </a:r>
-            <a:r>
-              <a:rPr dirty="0" err="1"/>
-              <a:t>req</a:t>
-            </a:r>
-            <a:r>
-              <a:rPr dirty="0"/>
-              <a:t>, res) {</a:t>
-            </a:r>
-          </a:p>
-          <a:p>
-            <a:pPr defTabSz="232196">
-              <a:lnSpc>
-                <a:spcPct val="115000"/>
-              </a:lnSpc>
-              <a:spcBef>
-                <a:spcPts val="300"/>
-              </a:spcBef>
-              <a:defRPr sz="1400">
-                <a:solidFill>
-                  <a:srgbClr val="585858"/>
-                </a:solidFill>
-                <a:latin typeface="Arial"/>
-                <a:ea typeface="Arial"/>
-                <a:cs typeface="Arial"/>
-                <a:sym typeface="Arial"/>
-              </a:defRPr>
-            </a:pPr>
-            <a:r>
-              <a:rPr dirty="0"/>
-              <a:t>  });</a:t>
-            </a:r>
-          </a:p>
-          <a:p>
-            <a:pPr defTabSz="232196">
-              <a:lnSpc>
-                <a:spcPct val="115000"/>
-              </a:lnSpc>
-              <a:spcBef>
-                <a:spcPts val="300"/>
-              </a:spcBef>
-              <a:defRPr sz="1400">
-                <a:solidFill>
-                  <a:srgbClr val="585858"/>
-                </a:solidFill>
-                <a:latin typeface="Arial"/>
-                <a:ea typeface="Arial"/>
-                <a:cs typeface="Arial"/>
-                <a:sym typeface="Arial"/>
-              </a:defRPr>
-            </a:pPr>
-            <a:r>
-              <a:rPr dirty="0"/>
-              <a:t>};</a:t>
-            </a:r>
-          </a:p>
-        </p:txBody>
-      </p:sp>
-    </p:spTree>
-  </p:cSld>
-  <p:clrMapOvr>
-    <a:masterClrMapping/>
-  </p:clrMapOvr>
-  <p:transition spd="slow"/>
-  <p:timing>
-    <p:tnLst>
-      <p:par>
-        <p:cTn id="1" dur="indefinite" restart="never" nodeType="tmRoot"/>
-      </p:par>
-    </p:tnLst>
-  </p:timing>
-</p:sld>
-</file>
-
-<file path=ppt/slides/slide49.xml><?xml version="1.0" encoding="utf-8"?>
-<p:sld xmlns:a="http://schemas.openxmlformats.org/drawingml/2006/main" xmlns:r="http://schemas.openxmlformats.org/officeDocument/2006/relationships" xmlns:p="http://schemas.openxmlformats.org/presentationml/2006/main">
-  <p:cSld>
-    <p:spTree>
-      <p:nvGrpSpPr>
-        <p:cNvPr id="1" name=""/>
-        <p:cNvGrpSpPr/>
-        <p:nvPr/>
-      </p:nvGrpSpPr>
-      <p:grpSpPr>
-        <a:xfrm>
-          <a:off x="0" y="0"/>
-          <a:ext cx="0" cy="0"/>
-          <a:chOff x="0" y="0"/>
-          <a:chExt cx="0" cy="0"/>
-        </a:xfrm>
-      </p:grpSpPr>
-      <p:sp>
-        <p:nvSpPr>
-          <p:cNvPr id="497" name="Shape 497"/>
-          <p:cNvSpPr>
-            <a:spLocks noGrp="1"/>
-          </p:cNvSpPr>
-          <p:nvPr>
-            <p:ph type="title"/>
-          </p:nvPr>
-        </p:nvSpPr>
-        <p:spPr>
-          <a:xfrm>
-            <a:off x="685798" y="266699"/>
-            <a:ext cx="7772404" cy="899915"/>
-          </a:xfrm>
-          <a:prstGeom prst="rect">
-            <a:avLst/>
-          </a:prstGeom>
-        </p:spPr>
-        <p:txBody>
-          <a:bodyPr/>
-          <a:lstStyle>
-            <a:lvl1pPr algn="ctr">
-              <a:defRPr sz="4800" b="0" cap="none">
-                <a:solidFill>
-                  <a:srgbClr val="FFFFFF"/>
-                </a:solidFill>
-              </a:defRPr>
-            </a:lvl1pPr>
-          </a:lstStyle>
-          <a:p>
-            <a:r>
-              <a:t>練習</a:t>
-            </a:r>
-          </a:p>
-        </p:txBody>
-      </p:sp>
-      <p:sp>
-        <p:nvSpPr>
-          <p:cNvPr id="498" name="Shape 498"/>
-          <p:cNvSpPr>
-            <a:spLocks noGrp="1"/>
-          </p:cNvSpPr>
-          <p:nvPr>
-            <p:ph type="body" idx="1"/>
-          </p:nvPr>
-        </p:nvSpPr>
-        <p:spPr>
-          <a:xfrm>
-            <a:off x="685798" y="1255562"/>
-            <a:ext cx="7772404" cy="4713390"/>
-          </a:xfrm>
-          <a:prstGeom prst="rect">
-            <a:avLst/>
-          </a:prstGeom>
-        </p:spPr>
-        <p:txBody>
-          <a:bodyPr anchor="t"/>
-          <a:lstStyle/>
-          <a:p>
-            <a:pPr defTabSz="905255">
-              <a:lnSpc>
-                <a:spcPct val="115000"/>
-              </a:lnSpc>
-              <a:spcBef>
-                <a:spcPts val="1500"/>
-              </a:spcBef>
-              <a:defRPr sz="2600" b="0">
-                <a:solidFill>
-                  <a:srgbClr val="585858"/>
-                </a:solidFill>
-                <a:latin typeface="Arial"/>
-                <a:ea typeface="Arial"/>
-                <a:cs typeface="Arial"/>
-                <a:sym typeface="Arial"/>
-              </a:defRPr>
-            </a:pPr>
-            <a:r>
-              <a:t>目標：  </a:t>
-            </a:r>
-          </a:p>
-          <a:p>
-            <a:pPr marL="347578" indent="-347578" defTabSz="905255">
-              <a:lnSpc>
-                <a:spcPct val="115000"/>
-              </a:lnSpc>
-              <a:spcBef>
-                <a:spcPts val="1500"/>
-              </a:spcBef>
-              <a:buSzPct val="100000"/>
-              <a:buAutoNum type="arabicPeriod"/>
-              <a:defRPr sz="2600" b="0">
-                <a:solidFill>
-                  <a:srgbClr val="585858"/>
-                </a:solidFill>
-                <a:latin typeface="Arial"/>
-                <a:ea typeface="Arial"/>
-                <a:cs typeface="Arial"/>
-                <a:sym typeface="Arial"/>
-              </a:defRPr>
-            </a:pPr>
-            <a:r>
-              <a:t>訂閱gIot MQTT topic接收訊息</a:t>
-            </a:r>
-          </a:p>
-          <a:p>
-            <a:pPr marL="347578" indent="-347578" defTabSz="905255">
-              <a:lnSpc>
-                <a:spcPct val="115000"/>
-              </a:lnSpc>
-              <a:spcBef>
-                <a:spcPts val="1500"/>
-              </a:spcBef>
-              <a:buSzPct val="100000"/>
-              <a:buAutoNum type="arabicPeriod"/>
-              <a:defRPr sz="2600" b="0">
-                <a:solidFill>
-                  <a:srgbClr val="585858"/>
-                </a:solidFill>
-                <a:latin typeface="Arial"/>
-                <a:ea typeface="Arial"/>
-                <a:cs typeface="Arial"/>
-                <a:sym typeface="Arial"/>
-              </a:defRPr>
-            </a:pPr>
-            <a:r>
-              <a:t>自訂收到儲存資料模組</a:t>
-            </a:r>
-          </a:p>
-          <a:p>
-            <a:pPr marL="347578" indent="-347578" defTabSz="905255">
-              <a:lnSpc>
-                <a:spcPct val="115000"/>
-              </a:lnSpc>
-              <a:spcBef>
-                <a:spcPts val="1500"/>
-              </a:spcBef>
-              <a:buSzPct val="100000"/>
-              <a:buAutoNum type="arabicPeriod"/>
-              <a:defRPr sz="2600" b="0">
-                <a:solidFill>
-                  <a:srgbClr val="585858"/>
-                </a:solidFill>
-                <a:latin typeface="Arial"/>
-                <a:ea typeface="Arial"/>
-                <a:cs typeface="Arial"/>
-                <a:sym typeface="Arial"/>
-              </a:defRPr>
-            </a:pPr>
-            <a:r>
-              <a:t>將收到得資料透過儲存資料模組存資料</a:t>
-            </a:r>
-          </a:p>
-          <a:p>
-            <a:pPr marL="347578" indent="-347578" defTabSz="905255">
-              <a:lnSpc>
-                <a:spcPct val="115000"/>
-              </a:lnSpc>
-              <a:spcBef>
-                <a:spcPts val="1500"/>
-              </a:spcBef>
-              <a:buSzPct val="100000"/>
-              <a:buAutoNum type="arabicPeriod"/>
-              <a:defRPr sz="2600" b="0">
-                <a:solidFill>
-                  <a:srgbClr val="585858"/>
-                </a:solidFill>
-                <a:latin typeface="Arial"/>
-                <a:ea typeface="Arial"/>
-                <a:cs typeface="Arial"/>
-                <a:sym typeface="Arial"/>
-              </a:defRPr>
-            </a:pPr>
-            <a:r>
-              <a:t>顯示接收訊息</a:t>
-            </a:r>
-          </a:p>
-        </p:txBody>
-      </p:sp>
-    </p:spTree>
-  </p:cSld>
-  <p:clrMapOvr>
-    <a:masterClrMapping/>
-  </p:clrMapOvr>
-  <p:transition spd="slow"/>
-  <p:timing>
-    <p:tnLst>
-      <p:par>
-        <p:cTn id="1" dur="indefinite" restart="never" nodeType="tmRoot"/>
-      </p:par>
-    </p:tnLst>
-  </p:timing>
-</p:sld>
-</file>
-
 <file path=ppt/slides/slide5.xml><?xml version="1.0" encoding="utf-8"?>
 <p:sld xmlns:a="http://schemas.openxmlformats.org/drawingml/2006/main" xmlns:r="http://schemas.openxmlformats.org/officeDocument/2006/relationships" xmlns:p="http://schemas.openxmlformats.org/presentationml/2006/main">
   <p:cSld>
@@ -22225,6 +22541,852 @@
       </p:grpSpPr>
       <p:sp>
         <p:nvSpPr>
+          <p:cNvPr id="494" name="Shape 494"/>
+          <p:cNvSpPr>
+            <a:spLocks noGrp="1"/>
+          </p:cNvSpPr>
+          <p:nvPr>
+            <p:ph type="title"/>
+          </p:nvPr>
+        </p:nvSpPr>
+        <p:spPr>
+          <a:xfrm>
+            <a:off x="685798" y="266699"/>
+            <a:ext cx="7772404" cy="899915"/>
+          </a:xfrm>
+          <a:prstGeom prst="rect">
+            <a:avLst/>
+          </a:prstGeom>
+        </p:spPr>
+        <p:txBody>
+          <a:bodyPr/>
+          <a:lstStyle>
+            <a:lvl1pPr algn="ctr">
+              <a:defRPr sz="4800" b="0" cap="none">
+                <a:solidFill>
+                  <a:srgbClr val="FFFFFF"/>
+                </a:solidFill>
+              </a:defRPr>
+            </a:lvl1pPr>
+          </a:lstStyle>
+          <a:p>
+            <a:r>
+              <a:t>頁面路由 - index.js</a:t>
+            </a:r>
+          </a:p>
+        </p:txBody>
+      </p:sp>
+      <p:sp>
+        <p:nvSpPr>
+          <p:cNvPr id="495" name="Shape 495"/>
+          <p:cNvSpPr>
+            <a:spLocks noGrp="1"/>
+          </p:cNvSpPr>
+          <p:nvPr>
+            <p:ph type="body" idx="1"/>
+          </p:nvPr>
+        </p:nvSpPr>
+        <p:spPr>
+          <a:xfrm>
+            <a:off x="685798" y="1255562"/>
+            <a:ext cx="7772404" cy="4713390"/>
+          </a:xfrm>
+          <a:prstGeom prst="rect">
+            <a:avLst/>
+          </a:prstGeom>
+        </p:spPr>
+        <p:txBody>
+          <a:bodyPr anchor="t">
+            <a:normAutofit lnSpcReduction="10000"/>
+          </a:bodyPr>
+          <a:lstStyle/>
+          <a:p>
+            <a:pPr defTabSz="232196">
+              <a:lnSpc>
+                <a:spcPct val="115000"/>
+              </a:lnSpc>
+              <a:spcBef>
+                <a:spcPts val="300"/>
+              </a:spcBef>
+              <a:defRPr sz="1400">
+                <a:solidFill>
+                  <a:srgbClr val="585858"/>
+                </a:solidFill>
+                <a:latin typeface="Arial"/>
+                <a:ea typeface="Arial"/>
+                <a:cs typeface="Arial"/>
+                <a:sym typeface="Arial"/>
+              </a:defRPr>
+            </a:pPr>
+            <a:r>
+              <a:rPr dirty="0" err="1"/>
+              <a:t>module.exports</a:t>
+            </a:r>
+            <a:r>
+              <a:rPr dirty="0"/>
+              <a:t> = function(app) {</a:t>
+            </a:r>
+          </a:p>
+          <a:p>
+            <a:pPr defTabSz="232196">
+              <a:lnSpc>
+                <a:spcPct val="115000"/>
+              </a:lnSpc>
+              <a:spcBef>
+                <a:spcPts val="300"/>
+              </a:spcBef>
+              <a:defRPr sz="1400">
+                <a:solidFill>
+                  <a:srgbClr val="585858"/>
+                </a:solidFill>
+                <a:latin typeface="Arial"/>
+                <a:ea typeface="Arial"/>
+                <a:cs typeface="Arial"/>
+                <a:sym typeface="Arial"/>
+              </a:defRPr>
+            </a:pPr>
+            <a:r>
+              <a:rPr dirty="0"/>
+              <a:t>  </a:t>
+            </a:r>
+            <a:r>
+              <a:rPr dirty="0" err="1"/>
+              <a:t>app.get</a:t>
+            </a:r>
+            <a:r>
+              <a:rPr dirty="0"/>
+              <a:t>('/', function (</a:t>
+            </a:r>
+            <a:r>
+              <a:rPr dirty="0" err="1"/>
+              <a:t>req</a:t>
+            </a:r>
+            <a:r>
+              <a:rPr dirty="0"/>
+              <a:t>, res) {</a:t>
+            </a:r>
+          </a:p>
+          <a:p>
+            <a:pPr defTabSz="232196">
+              <a:lnSpc>
+                <a:spcPct val="115000"/>
+              </a:lnSpc>
+              <a:spcBef>
+                <a:spcPts val="300"/>
+              </a:spcBef>
+              <a:defRPr sz="1400">
+                <a:solidFill>
+                  <a:srgbClr val="585858"/>
+                </a:solidFill>
+                <a:latin typeface="Arial"/>
+                <a:ea typeface="Arial"/>
+                <a:cs typeface="Arial"/>
+                <a:sym typeface="Arial"/>
+              </a:defRPr>
+            </a:pPr>
+            <a:r>
+              <a:rPr dirty="0"/>
+              <a:t>    </a:t>
+            </a:r>
+            <a:r>
+              <a:rPr dirty="0" err="1"/>
+              <a:t>res.render</a:t>
+            </a:r>
+            <a:r>
+              <a:rPr dirty="0"/>
+              <a:t>('index', { title: '</a:t>
+            </a:r>
+            <a:r>
+              <a:rPr dirty="0" err="1"/>
+              <a:t>首頁</a:t>
+            </a:r>
+            <a:r>
+              <a:rPr dirty="0"/>
+              <a:t>' });</a:t>
+            </a:r>
+          </a:p>
+          <a:p>
+            <a:pPr defTabSz="232196">
+              <a:lnSpc>
+                <a:spcPct val="115000"/>
+              </a:lnSpc>
+              <a:spcBef>
+                <a:spcPts val="300"/>
+              </a:spcBef>
+              <a:defRPr sz="1400">
+                <a:solidFill>
+                  <a:srgbClr val="585858"/>
+                </a:solidFill>
+                <a:latin typeface="Arial"/>
+                <a:ea typeface="Arial"/>
+                <a:cs typeface="Arial"/>
+                <a:sym typeface="Arial"/>
+              </a:defRPr>
+            </a:pPr>
+            <a:r>
+              <a:rPr dirty="0"/>
+              <a:t>  });</a:t>
+            </a:r>
+          </a:p>
+          <a:p>
+            <a:pPr defTabSz="232196">
+              <a:lnSpc>
+                <a:spcPct val="115000"/>
+              </a:lnSpc>
+              <a:spcBef>
+                <a:spcPts val="300"/>
+              </a:spcBef>
+              <a:defRPr sz="1400">
+                <a:solidFill>
+                  <a:srgbClr val="585858"/>
+                </a:solidFill>
+                <a:latin typeface="Arial"/>
+                <a:ea typeface="Arial"/>
+                <a:cs typeface="Arial"/>
+                <a:sym typeface="Arial"/>
+              </a:defRPr>
+            </a:pPr>
+            <a:r>
+              <a:rPr dirty="0"/>
+              <a:t>  </a:t>
+            </a:r>
+            <a:r>
+              <a:rPr dirty="0" err="1"/>
+              <a:t>app.get</a:t>
+            </a:r>
+            <a:r>
+              <a:rPr dirty="0"/>
+              <a:t>('/update', function (</a:t>
+            </a:r>
+            <a:r>
+              <a:rPr dirty="0" err="1"/>
+              <a:t>req</a:t>
+            </a:r>
+            <a:r>
+              <a:rPr dirty="0"/>
+              <a:t>, res) {</a:t>
+            </a:r>
+          </a:p>
+          <a:p>
+            <a:pPr defTabSz="232196">
+              <a:lnSpc>
+                <a:spcPct val="115000"/>
+              </a:lnSpc>
+              <a:spcBef>
+                <a:spcPts val="300"/>
+              </a:spcBef>
+              <a:defRPr sz="1400">
+                <a:solidFill>
+                  <a:srgbClr val="585858"/>
+                </a:solidFill>
+                <a:latin typeface="Arial"/>
+                <a:ea typeface="Arial"/>
+                <a:cs typeface="Arial"/>
+                <a:sym typeface="Arial"/>
+              </a:defRPr>
+            </a:pPr>
+            <a:r>
+              <a:rPr dirty="0"/>
+              <a:t>	console.log('render to </a:t>
+            </a:r>
+            <a:r>
+              <a:t>update.ejs</a:t>
+            </a:r>
+            <a:r>
+              <a:rPr dirty="0"/>
+              <a:t>');</a:t>
+            </a:r>
+          </a:p>
+          <a:p>
+            <a:pPr defTabSz="232196">
+              <a:lnSpc>
+                <a:spcPct val="115000"/>
+              </a:lnSpc>
+              <a:spcBef>
+                <a:spcPts val="300"/>
+              </a:spcBef>
+              <a:defRPr sz="1400">
+                <a:solidFill>
+                  <a:srgbClr val="585858"/>
+                </a:solidFill>
+                <a:latin typeface="Arial"/>
+                <a:ea typeface="Arial"/>
+                <a:cs typeface="Arial"/>
+                <a:sym typeface="Arial"/>
+              </a:defRPr>
+            </a:pPr>
+            <a:r>
+              <a:rPr dirty="0"/>
+              <a:t>	</a:t>
+            </a:r>
+            <a:r>
+              <a:rPr dirty="0" err="1"/>
+              <a:t>res.render</a:t>
+            </a:r>
+            <a:r>
+              <a:rPr dirty="0"/>
+              <a:t>('post', { title: '</a:t>
+            </a:r>
+            <a:r>
+              <a:rPr dirty="0" err="1"/>
+              <a:t>更新</a:t>
+            </a:r>
+            <a:r>
+              <a:rPr dirty="0"/>
+              <a:t>' });</a:t>
+            </a:r>
+          </a:p>
+          <a:p>
+            <a:pPr defTabSz="232196">
+              <a:lnSpc>
+                <a:spcPct val="115000"/>
+              </a:lnSpc>
+              <a:spcBef>
+                <a:spcPts val="300"/>
+              </a:spcBef>
+              <a:defRPr sz="1400">
+                <a:solidFill>
+                  <a:srgbClr val="585858"/>
+                </a:solidFill>
+                <a:latin typeface="Arial"/>
+                <a:ea typeface="Arial"/>
+                <a:cs typeface="Arial"/>
+                <a:sym typeface="Arial"/>
+              </a:defRPr>
+            </a:pPr>
+            <a:r>
+              <a:rPr dirty="0"/>
+              <a:t>  });</a:t>
+            </a:r>
+          </a:p>
+          <a:p>
+            <a:pPr defTabSz="232196">
+              <a:lnSpc>
+                <a:spcPct val="115000"/>
+              </a:lnSpc>
+              <a:spcBef>
+                <a:spcPts val="300"/>
+              </a:spcBef>
+              <a:defRPr sz="1400">
+                <a:solidFill>
+                  <a:srgbClr val="585858"/>
+                </a:solidFill>
+                <a:latin typeface="Arial"/>
+                <a:ea typeface="Arial"/>
+                <a:cs typeface="Arial"/>
+                <a:sym typeface="Arial"/>
+              </a:defRPr>
+            </a:pPr>
+            <a:r>
+              <a:rPr dirty="0"/>
+              <a:t>  </a:t>
+            </a:r>
+            <a:r>
+              <a:rPr dirty="0" err="1"/>
+              <a:t>app.post</a:t>
+            </a:r>
+            <a:r>
+              <a:rPr dirty="0"/>
+              <a:t>('/post', function (</a:t>
+            </a:r>
+            <a:r>
+              <a:rPr dirty="0" err="1"/>
+              <a:t>req</a:t>
+            </a:r>
+            <a:r>
+              <a:rPr dirty="0"/>
+              <a:t>, res) {</a:t>
+            </a:r>
+          </a:p>
+          <a:p>
+            <a:pPr defTabSz="232196">
+              <a:lnSpc>
+                <a:spcPct val="115000"/>
+              </a:lnSpc>
+              <a:spcBef>
+                <a:spcPts val="300"/>
+              </a:spcBef>
+              <a:defRPr sz="1400">
+                <a:solidFill>
+                  <a:srgbClr val="585858"/>
+                </a:solidFill>
+                <a:latin typeface="Arial"/>
+                <a:ea typeface="Arial"/>
+                <a:cs typeface="Arial"/>
+                <a:sym typeface="Arial"/>
+              </a:defRPr>
+            </a:pPr>
+            <a:r>
+              <a:rPr dirty="0"/>
+              <a:t>  });</a:t>
+            </a:r>
+          </a:p>
+          <a:p>
+            <a:pPr defTabSz="232196">
+              <a:lnSpc>
+                <a:spcPct val="115000"/>
+              </a:lnSpc>
+              <a:spcBef>
+                <a:spcPts val="300"/>
+              </a:spcBef>
+              <a:defRPr sz="1400">
+                <a:solidFill>
+                  <a:srgbClr val="585858"/>
+                </a:solidFill>
+                <a:latin typeface="Arial"/>
+                <a:ea typeface="Arial"/>
+                <a:cs typeface="Arial"/>
+                <a:sym typeface="Arial"/>
+              </a:defRPr>
+            </a:pPr>
+            <a:r>
+              <a:rPr dirty="0"/>
+              <a:t>  </a:t>
+            </a:r>
+            <a:r>
+              <a:rPr dirty="0" err="1"/>
+              <a:t>app.get</a:t>
+            </a:r>
+            <a:r>
+              <a:rPr dirty="0"/>
+              <a:t>('/find', function (</a:t>
+            </a:r>
+            <a:r>
+              <a:rPr dirty="0" err="1"/>
+              <a:t>req</a:t>
+            </a:r>
+            <a:r>
+              <a:rPr dirty="0"/>
+              <a:t>, res) {</a:t>
+            </a:r>
+          </a:p>
+          <a:p>
+            <a:pPr defTabSz="232196">
+              <a:lnSpc>
+                <a:spcPct val="115000"/>
+              </a:lnSpc>
+              <a:spcBef>
+                <a:spcPts val="300"/>
+              </a:spcBef>
+              <a:defRPr sz="1400">
+                <a:solidFill>
+                  <a:srgbClr val="585858"/>
+                </a:solidFill>
+                <a:latin typeface="Arial"/>
+                <a:ea typeface="Arial"/>
+                <a:cs typeface="Arial"/>
+                <a:sym typeface="Arial"/>
+              </a:defRPr>
+            </a:pPr>
+            <a:r>
+              <a:rPr dirty="0"/>
+              <a:t>	console.log('render to </a:t>
+            </a:r>
+            <a:r>
+              <a:rPr dirty="0" err="1"/>
+              <a:t>post.ejs</a:t>
+            </a:r>
+            <a:r>
+              <a:rPr dirty="0"/>
+              <a:t>');</a:t>
+            </a:r>
+          </a:p>
+          <a:p>
+            <a:pPr defTabSz="232196">
+              <a:lnSpc>
+                <a:spcPct val="115000"/>
+              </a:lnSpc>
+              <a:spcBef>
+                <a:spcPts val="300"/>
+              </a:spcBef>
+              <a:defRPr sz="1400">
+                <a:solidFill>
+                  <a:srgbClr val="585858"/>
+                </a:solidFill>
+                <a:latin typeface="Arial"/>
+                <a:ea typeface="Arial"/>
+                <a:cs typeface="Arial"/>
+                <a:sym typeface="Arial"/>
+              </a:defRPr>
+            </a:pPr>
+            <a:r>
+              <a:rPr dirty="0"/>
+              <a:t>	</a:t>
+            </a:r>
+            <a:r>
+              <a:rPr dirty="0" err="1"/>
+              <a:t>res.render</a:t>
+            </a:r>
+            <a:r>
+              <a:rPr dirty="0"/>
+              <a:t>('find', { title: '</a:t>
+            </a:r>
+            <a:r>
+              <a:rPr dirty="0" err="1"/>
+              <a:t>查詢</a:t>
+            </a:r>
+            <a:r>
+              <a:rPr dirty="0"/>
+              <a:t>' });</a:t>
+            </a:r>
+          </a:p>
+          <a:p>
+            <a:pPr defTabSz="232196">
+              <a:lnSpc>
+                <a:spcPct val="115000"/>
+              </a:lnSpc>
+              <a:spcBef>
+                <a:spcPts val="300"/>
+              </a:spcBef>
+              <a:defRPr sz="1400">
+                <a:solidFill>
+                  <a:srgbClr val="585858"/>
+                </a:solidFill>
+                <a:latin typeface="Arial"/>
+                <a:ea typeface="Arial"/>
+                <a:cs typeface="Arial"/>
+                <a:sym typeface="Arial"/>
+              </a:defRPr>
+            </a:pPr>
+            <a:r>
+              <a:rPr dirty="0"/>
+              <a:t>  });</a:t>
+            </a:r>
+          </a:p>
+          <a:p>
+            <a:pPr defTabSz="232196">
+              <a:lnSpc>
+                <a:spcPct val="115000"/>
+              </a:lnSpc>
+              <a:spcBef>
+                <a:spcPts val="300"/>
+              </a:spcBef>
+              <a:defRPr sz="1400">
+                <a:solidFill>
+                  <a:srgbClr val="585858"/>
+                </a:solidFill>
+                <a:latin typeface="Arial"/>
+                <a:ea typeface="Arial"/>
+                <a:cs typeface="Arial"/>
+                <a:sym typeface="Arial"/>
+              </a:defRPr>
+            </a:pPr>
+            <a:r>
+              <a:rPr dirty="0"/>
+              <a:t>  </a:t>
+            </a:r>
+            <a:r>
+              <a:rPr dirty="0" err="1"/>
+              <a:t>app.post</a:t>
+            </a:r>
+            <a:r>
+              <a:rPr dirty="0"/>
+              <a:t>('/find', function (</a:t>
+            </a:r>
+            <a:r>
+              <a:rPr dirty="0" err="1"/>
+              <a:t>req</a:t>
+            </a:r>
+            <a:r>
+              <a:rPr dirty="0"/>
+              <a:t>, res) {</a:t>
+            </a:r>
+          </a:p>
+          <a:p>
+            <a:pPr defTabSz="232196">
+              <a:lnSpc>
+                <a:spcPct val="115000"/>
+              </a:lnSpc>
+              <a:spcBef>
+                <a:spcPts val="300"/>
+              </a:spcBef>
+              <a:defRPr sz="1400">
+                <a:solidFill>
+                  <a:srgbClr val="585858"/>
+                </a:solidFill>
+                <a:latin typeface="Arial"/>
+                <a:ea typeface="Arial"/>
+                <a:cs typeface="Arial"/>
+                <a:sym typeface="Arial"/>
+              </a:defRPr>
+            </a:pPr>
+            <a:r>
+              <a:rPr dirty="0"/>
+              <a:t>  });</a:t>
+            </a:r>
+          </a:p>
+          <a:p>
+            <a:pPr defTabSz="232196">
+              <a:lnSpc>
+                <a:spcPct val="115000"/>
+              </a:lnSpc>
+              <a:spcBef>
+                <a:spcPts val="300"/>
+              </a:spcBef>
+              <a:defRPr sz="1400">
+                <a:solidFill>
+                  <a:srgbClr val="585858"/>
+                </a:solidFill>
+                <a:latin typeface="Arial"/>
+                <a:ea typeface="Arial"/>
+                <a:cs typeface="Arial"/>
+                <a:sym typeface="Arial"/>
+              </a:defRPr>
+            </a:pPr>
+            <a:r>
+              <a:rPr dirty="0"/>
+              <a:t>};</a:t>
+            </a:r>
+          </a:p>
+        </p:txBody>
+      </p:sp>
+    </p:spTree>
+  </p:cSld>
+  <p:clrMapOvr>
+    <a:masterClrMapping/>
+  </p:clrMapOvr>
+  <p:transition spd="slow"/>
+  <p:timing>
+    <p:tnLst>
+      <p:par>
+        <p:cTn id="1" dur="indefinite" restart="never" nodeType="tmRoot"/>
+      </p:par>
+    </p:tnLst>
+  </p:timing>
+</p:sld>
+</file>
+
+<file path=ppt/slides/slide51.xml><?xml version="1.0" encoding="utf-8"?>
+<p:sld xmlns:a="http://schemas.openxmlformats.org/drawingml/2006/main" xmlns:r="http://schemas.openxmlformats.org/officeDocument/2006/relationships" xmlns:p="http://schemas.openxmlformats.org/presentationml/2006/main">
+  <p:cSld>
+    <p:spTree>
+      <p:nvGrpSpPr>
+        <p:cNvPr id="1" name=""/>
+        <p:cNvGrpSpPr/>
+        <p:nvPr/>
+      </p:nvGrpSpPr>
+      <p:grpSpPr>
+        <a:xfrm>
+          <a:off x="0" y="0"/>
+          <a:ext cx="0" cy="0"/>
+          <a:chOff x="0" y="0"/>
+          <a:chExt cx="0" cy="0"/>
+        </a:xfrm>
+      </p:grpSpPr>
+      <p:sp>
+        <p:nvSpPr>
+          <p:cNvPr id="497" name="Shape 497"/>
+          <p:cNvSpPr>
+            <a:spLocks noGrp="1"/>
+          </p:cNvSpPr>
+          <p:nvPr>
+            <p:ph type="title"/>
+          </p:nvPr>
+        </p:nvSpPr>
+        <p:spPr>
+          <a:xfrm>
+            <a:off x="685798" y="266699"/>
+            <a:ext cx="7772404" cy="899915"/>
+          </a:xfrm>
+          <a:prstGeom prst="rect">
+            <a:avLst/>
+          </a:prstGeom>
+        </p:spPr>
+        <p:txBody>
+          <a:bodyPr/>
+          <a:lstStyle>
+            <a:lvl1pPr algn="ctr">
+              <a:defRPr sz="4800" b="0" cap="none">
+                <a:solidFill>
+                  <a:srgbClr val="FFFFFF"/>
+                </a:solidFill>
+              </a:defRPr>
+            </a:lvl1pPr>
+          </a:lstStyle>
+          <a:p>
+            <a:r>
+              <a:t>練習</a:t>
+            </a:r>
+          </a:p>
+        </p:txBody>
+      </p:sp>
+      <p:sp>
+        <p:nvSpPr>
+          <p:cNvPr id="498" name="Shape 498"/>
+          <p:cNvSpPr>
+            <a:spLocks noGrp="1"/>
+          </p:cNvSpPr>
+          <p:nvPr>
+            <p:ph type="body" idx="1"/>
+          </p:nvPr>
+        </p:nvSpPr>
+        <p:spPr>
+          <a:xfrm>
+            <a:off x="685798" y="1255562"/>
+            <a:ext cx="7772404" cy="4713390"/>
+          </a:xfrm>
+          <a:prstGeom prst="rect">
+            <a:avLst/>
+          </a:prstGeom>
+        </p:spPr>
+        <p:txBody>
+          <a:bodyPr anchor="t"/>
+          <a:lstStyle/>
+          <a:p>
+            <a:pPr defTabSz="905255">
+              <a:lnSpc>
+                <a:spcPct val="115000"/>
+              </a:lnSpc>
+              <a:spcBef>
+                <a:spcPts val="1500"/>
+              </a:spcBef>
+              <a:defRPr sz="2600" b="0">
+                <a:solidFill>
+                  <a:srgbClr val="585858"/>
+                </a:solidFill>
+                <a:latin typeface="Arial"/>
+                <a:ea typeface="Arial"/>
+                <a:cs typeface="Arial"/>
+                <a:sym typeface="Arial"/>
+              </a:defRPr>
+            </a:pPr>
+            <a:r>
+              <a:t>目標：  </a:t>
+            </a:r>
+          </a:p>
+          <a:p>
+            <a:pPr marL="347578" indent="-347578" defTabSz="905255">
+              <a:lnSpc>
+                <a:spcPct val="115000"/>
+              </a:lnSpc>
+              <a:spcBef>
+                <a:spcPts val="1500"/>
+              </a:spcBef>
+              <a:buSzPct val="100000"/>
+              <a:buAutoNum type="arabicPeriod"/>
+              <a:defRPr sz="2600" b="0">
+                <a:solidFill>
+                  <a:srgbClr val="585858"/>
+                </a:solidFill>
+                <a:latin typeface="Arial"/>
+                <a:ea typeface="Arial"/>
+                <a:cs typeface="Arial"/>
+                <a:sym typeface="Arial"/>
+              </a:defRPr>
+            </a:pPr>
+            <a:r>
+              <a:t>訂閱gIot MQTT topic接收訊息</a:t>
+            </a:r>
+          </a:p>
+          <a:p>
+            <a:pPr marL="347578" indent="-347578" defTabSz="905255">
+              <a:lnSpc>
+                <a:spcPct val="115000"/>
+              </a:lnSpc>
+              <a:spcBef>
+                <a:spcPts val="1500"/>
+              </a:spcBef>
+              <a:buSzPct val="100000"/>
+              <a:buAutoNum type="arabicPeriod"/>
+              <a:defRPr sz="2600" b="0">
+                <a:solidFill>
+                  <a:srgbClr val="585858"/>
+                </a:solidFill>
+                <a:latin typeface="Arial"/>
+                <a:ea typeface="Arial"/>
+                <a:cs typeface="Arial"/>
+                <a:sym typeface="Arial"/>
+              </a:defRPr>
+            </a:pPr>
+            <a:r>
+              <a:t>自訂收到儲存資料模組</a:t>
+            </a:r>
+          </a:p>
+          <a:p>
+            <a:pPr marL="347578" indent="-347578" defTabSz="905255">
+              <a:lnSpc>
+                <a:spcPct val="115000"/>
+              </a:lnSpc>
+              <a:spcBef>
+                <a:spcPts val="1500"/>
+              </a:spcBef>
+              <a:buSzPct val="100000"/>
+              <a:buAutoNum type="arabicPeriod"/>
+              <a:defRPr sz="2600" b="0">
+                <a:solidFill>
+                  <a:srgbClr val="585858"/>
+                </a:solidFill>
+                <a:latin typeface="Arial"/>
+                <a:ea typeface="Arial"/>
+                <a:cs typeface="Arial"/>
+                <a:sym typeface="Arial"/>
+              </a:defRPr>
+            </a:pPr>
+            <a:r>
+              <a:t>將收到得資料透過儲存資料模組存資料</a:t>
+            </a:r>
+          </a:p>
+          <a:p>
+            <a:pPr marL="347578" indent="-347578" defTabSz="905255">
+              <a:lnSpc>
+                <a:spcPct val="115000"/>
+              </a:lnSpc>
+              <a:spcBef>
+                <a:spcPts val="1500"/>
+              </a:spcBef>
+              <a:buSzPct val="100000"/>
+              <a:buAutoNum type="arabicPeriod"/>
+              <a:defRPr sz="2600" b="0">
+                <a:solidFill>
+                  <a:srgbClr val="585858"/>
+                </a:solidFill>
+                <a:latin typeface="Arial"/>
+                <a:ea typeface="Arial"/>
+                <a:cs typeface="Arial"/>
+                <a:sym typeface="Arial"/>
+              </a:defRPr>
+            </a:pPr>
+            <a:r>
+              <a:t>顯示接收訊息</a:t>
+            </a:r>
+          </a:p>
+        </p:txBody>
+      </p:sp>
+    </p:spTree>
+  </p:cSld>
+  <p:clrMapOvr>
+    <a:masterClrMapping/>
+  </p:clrMapOvr>
+  <p:transition spd="slow"/>
+  <p:timing>
+    <p:tnLst>
+      <p:par>
+        <p:cTn id="1" dur="indefinite" restart="never" nodeType="tmRoot"/>
+      </p:par>
+    </p:tnLst>
+  </p:timing>
+</p:sld>
+</file>
+
+<file path=ppt/slides/slide52.xml><?xml version="1.0" encoding="utf-8"?>
+<p:sld xmlns:a="http://schemas.openxmlformats.org/drawingml/2006/main" xmlns:r="http://schemas.openxmlformats.org/officeDocument/2006/relationships" xmlns:p="http://schemas.openxmlformats.org/presentationml/2006/main">
+  <p:cSld>
+    <p:spTree>
+      <p:nvGrpSpPr>
+        <p:cNvPr id="1" name=""/>
+        <p:cNvGrpSpPr/>
+        <p:nvPr/>
+      </p:nvGrpSpPr>
+      <p:grpSpPr>
+        <a:xfrm>
+          <a:off x="0" y="0"/>
+          <a:ext cx="0" cy="0"/>
+          <a:chOff x="0" y="0"/>
+          <a:chExt cx="0" cy="0"/>
+        </a:xfrm>
+      </p:grpSpPr>
+      <p:sp>
+        <p:nvSpPr>
           <p:cNvPr id="500" name="Shape 500"/>
           <p:cNvSpPr>
             <a:spLocks noGrp="1"/>
@@ -22265,7 +23427,7 @@
         <p:spPr>
           <a:xfrm>
             <a:off x="311699" y="2106659"/>
-            <a:ext cx="8520602" cy="3078985"/>
+            <a:ext cx="8520602" cy="3920068"/>
           </a:xfrm>
           <a:prstGeom prst="rect">
             <a:avLst/>
@@ -22294,10 +23456,15 @@
               </a:defRPr>
             </a:pPr>
             <a:r>
-              <a:t>Mosquitto官網 </a:t>
-            </a:r>
-            <a:r>
-              <a:rPr u="sng">
+              <a:rPr dirty="0" err="1"/>
+              <a:t>Mosquitto官網</a:t>
+            </a:r>
+            <a:r>
+              <a:rPr dirty="0"/>
+              <a:t> </a:t>
+            </a:r>
+            <a:r>
+              <a:rPr u="sng" dirty="0">
                 <a:solidFill>
                   <a:srgbClr val="0000FF"/>
                 </a:solidFill>
@@ -22321,6 +23488,7 @@
               </a:defRPr>
             </a:pPr>
             <a:r>
+              <a:rPr dirty="0"/>
               <a:t>Node.js實現的MQTT客戶端模塊mqtt.js</a:t>
             </a:r>
           </a:p>
@@ -22342,12 +23510,12 @@
               </a:defRPr>
             </a:pPr>
             <a:r>
-              <a:rPr>
+              <a:rPr dirty="0">
                 <a:hlinkClick r:id="rId3"/>
               </a:rPr>
               <a:t>http://itbilu.com/nodejs/npm/41wDnJoDg.html</a:t>
             </a:r>
-            <a:endParaRPr>
+            <a:endParaRPr dirty="0">
               <a:uFill>
                 <a:solidFill>
                   <a:srgbClr val="0097A7"/>
@@ -22365,8 +23533,10 @@
               </a:defRPr>
             </a:pPr>
             <a:r>
+              <a:rPr dirty="0" err="1"/>
               <a:t>使用express與MongoDB的搭建多人博客</a:t>
             </a:r>
+            <a:endParaRPr dirty="0"/>
           </a:p>
           <a:p>
             <a:pPr>
@@ -22386,12 +23556,12 @@
               </a:defRPr>
             </a:pPr>
             <a:r>
-              <a:rPr>
+              <a:rPr dirty="0">
                 <a:hlinkClick r:id="rId4"/>
               </a:rPr>
               <a:t>http://wiki.jikexueyuan.com/project/express-mongodb-setup-blog/simple-blog.html</a:t>
             </a:r>
-            <a:endParaRPr>
+            <a:endParaRPr dirty="0">
               <a:solidFill>
                 <a:srgbClr val="0097A7"/>
               </a:solidFill>
@@ -22415,8 +23585,10 @@
               </a:defRPr>
             </a:pPr>
             <a:r>
+              <a:rPr dirty="0" err="1"/>
               <a:t>Mongoose學習參考文檔</a:t>
             </a:r>
+            <a:endParaRPr dirty="0"/>
           </a:p>
           <a:p>
             <a:pPr>
@@ -22439,11 +23611,211 @@
               </a:defRPr>
             </a:pPr>
             <a:r>
-              <a:rPr>
-                <a:hlinkClick r:id="rId5"/>
+              <a:rPr dirty="0"/>
+              <a:t>https://</a:t>
+            </a:r>
+            <a:r>
+              <a:rPr dirty="0" smtClean="0"/>
+              <a:t>cnodejs.org/topic/504b4924e2b84515770103dd</a:t>
+            </a:r>
+            <a:endParaRPr lang="en-US" dirty="0" smtClean="0"/>
+          </a:p>
+          <a:p>
+            <a:pPr>
+              <a:spcBef>
+                <a:spcPts val="400"/>
+              </a:spcBef>
+              <a:defRPr sz="2700" b="1" u="sng">
+                <a:solidFill>
+                  <a:srgbClr val="0000FF"/>
+                </a:solidFill>
+                <a:uFill>
+                  <a:solidFill>
+                    <a:srgbClr val="0000FF"/>
+                  </a:solidFill>
+                </a:uFill>
+                <a:latin typeface="Times New Roman"/>
+                <a:ea typeface="Times New Roman"/>
+                <a:cs typeface="Times New Roman"/>
+                <a:sym typeface="Times New Roman"/>
+              </a:defRPr>
+            </a:pPr>
+            <a:r>
+              <a:rPr lang="zh-TW" altLang="en-US" sz="2700" dirty="0">
+                <a:solidFill>
+                  <a:schemeClr val="tx1"/>
+                </a:solidFill>
+                <a:sym typeface="Times New Roman"/>
               </a:rPr>
-              <a:t>https://cnodejs.org/topic/504b4924e2b84515770103dd</a:t>
-            </a:r>
+              <a:t>協力廠商中介</a:t>
+            </a:r>
+            <a:r>
+              <a:rPr lang="zh-TW" altLang="en-US" sz="2700" dirty="0" smtClean="0">
+                <a:solidFill>
+                  <a:schemeClr val="tx1"/>
+                </a:solidFill>
+                <a:sym typeface="Times New Roman"/>
+              </a:rPr>
+              <a:t>軟體</a:t>
+            </a:r>
+            <a:endParaRPr lang="en-US" altLang="zh-TW" sz="2700" dirty="0" smtClean="0">
+              <a:solidFill>
+                <a:schemeClr val="tx1"/>
+              </a:solidFill>
+              <a:sym typeface="Times New Roman"/>
+            </a:endParaRPr>
+          </a:p>
+          <a:p>
+            <a:pPr>
+              <a:spcBef>
+                <a:spcPts val="400"/>
+              </a:spcBef>
+              <a:defRPr sz="2700" b="1" u="sng">
+                <a:solidFill>
+                  <a:srgbClr val="0000FF"/>
+                </a:solidFill>
+                <a:uFill>
+                  <a:solidFill>
+                    <a:srgbClr val="0000FF"/>
+                  </a:solidFill>
+                </a:uFill>
+                <a:latin typeface="Times New Roman"/>
+                <a:ea typeface="Times New Roman"/>
+                <a:cs typeface="Times New Roman"/>
+                <a:sym typeface="Times New Roman"/>
+              </a:defRPr>
+            </a:pPr>
+            <a:r>
+              <a:rPr lang="en-US" altLang="zh-TW" sz="2700" dirty="0">
+                <a:solidFill>
+                  <a:schemeClr val="accent6"/>
+                </a:solidFill>
+                <a:sym typeface="Times New Roman"/>
+              </a:rPr>
+              <a:t>http://expressjs.com/zh-tw/resources/middleware.html</a:t>
+            </a:r>
+            <a:endParaRPr lang="zh-TW" altLang="en-US" sz="2700" dirty="0">
+              <a:solidFill>
+                <a:schemeClr val="accent6"/>
+              </a:solidFill>
+              <a:sym typeface="Times New Roman"/>
+            </a:endParaRPr>
+          </a:p>
+          <a:p>
+            <a:pPr>
+              <a:spcBef>
+                <a:spcPts val="400"/>
+              </a:spcBef>
+              <a:defRPr sz="2700" b="1" u="sng">
+                <a:solidFill>
+                  <a:srgbClr val="0000FF"/>
+                </a:solidFill>
+                <a:uFill>
+                  <a:solidFill>
+                    <a:srgbClr val="0000FF"/>
+                  </a:solidFill>
+                </a:uFill>
+                <a:latin typeface="Times New Roman"/>
+                <a:ea typeface="Times New Roman"/>
+                <a:cs typeface="Times New Roman"/>
+                <a:sym typeface="Times New Roman"/>
+              </a:defRPr>
+            </a:pPr>
+            <a:endParaRPr lang="en-US" altLang="zh-TW" dirty="0"/>
+          </a:p>
+          <a:p>
+            <a:pPr>
+              <a:spcBef>
+                <a:spcPts val="400"/>
+              </a:spcBef>
+              <a:defRPr sz="2700" b="1" u="sng">
+                <a:solidFill>
+                  <a:srgbClr val="0000FF"/>
+                </a:solidFill>
+                <a:uFill>
+                  <a:solidFill>
+                    <a:srgbClr val="0000FF"/>
+                  </a:solidFill>
+                </a:uFill>
+                <a:latin typeface="Times New Roman"/>
+                <a:ea typeface="Times New Roman"/>
+                <a:cs typeface="Times New Roman"/>
+                <a:sym typeface="Times New Roman"/>
+              </a:defRPr>
+            </a:pPr>
+            <a:endParaRPr lang="zh-TW" altLang="en-US" dirty="0"/>
+          </a:p>
+          <a:p>
+            <a:pPr>
+              <a:spcBef>
+                <a:spcPts val="400"/>
+              </a:spcBef>
+              <a:defRPr sz="2700" b="1" u="sng">
+                <a:solidFill>
+                  <a:srgbClr val="0000FF"/>
+                </a:solidFill>
+                <a:uFill>
+                  <a:solidFill>
+                    <a:srgbClr val="0000FF"/>
+                  </a:solidFill>
+                </a:uFill>
+                <a:latin typeface="Times New Roman"/>
+                <a:ea typeface="Times New Roman"/>
+                <a:cs typeface="Times New Roman"/>
+                <a:sym typeface="Times New Roman"/>
+              </a:defRPr>
+            </a:pPr>
+            <a:endParaRPr lang="en-US" dirty="0">
+              <a:hlinkClick r:id="rId5"/>
+            </a:endParaRPr>
+          </a:p>
+          <a:p>
+            <a:pPr>
+              <a:spcBef>
+                <a:spcPts val="400"/>
+              </a:spcBef>
+              <a:defRPr sz="2700" b="1" u="sng">
+                <a:solidFill>
+                  <a:srgbClr val="0000FF"/>
+                </a:solidFill>
+                <a:uFill>
+                  <a:solidFill>
+                    <a:srgbClr val="0000FF"/>
+                  </a:solidFill>
+                </a:uFill>
+                <a:latin typeface="Times New Roman"/>
+                <a:ea typeface="Times New Roman"/>
+                <a:cs typeface="Times New Roman"/>
+                <a:sym typeface="Times New Roman"/>
+              </a:defRPr>
+            </a:pPr>
+            <a:endParaRPr lang="en-US" dirty="0" smtClean="0">
+              <a:hlinkClick r:id="rId5"/>
+            </a:endParaRPr>
+          </a:p>
+          <a:p>
+            <a:pPr>
+              <a:spcBef>
+                <a:spcPts val="400"/>
+              </a:spcBef>
+              <a:defRPr sz="2700" b="1" u="sng">
+                <a:solidFill>
+                  <a:srgbClr val="0000FF"/>
+                </a:solidFill>
+                <a:uFill>
+                  <a:solidFill>
+                    <a:srgbClr val="0000FF"/>
+                  </a:solidFill>
+                </a:uFill>
+                <a:latin typeface="Times New Roman"/>
+                <a:ea typeface="Times New Roman"/>
+                <a:cs typeface="Times New Roman"/>
+                <a:sym typeface="Times New Roman"/>
+              </a:defRPr>
+            </a:pPr>
+            <a:endParaRPr dirty="0">
+              <a:hlinkClick r:id="rId5"/>
+            </a:endParaRPr>
           </a:p>
         </p:txBody>
       </p:sp>
